--- a/NTASC 2018 Presentation/Presentation FFT.pptx
+++ b/NTASC 2018 Presentation/Presentation FFT.pptx
@@ -1221,18 +1221,34 @@
   <pc:docChgLst>
     <pc:chgData name="Shady Boukhary" userId="811e0ece2aa77533" providerId="LiveId" clId="{84F1D14C-976D-4B9F-8018-63174BB53F8E}"/>
     <pc:docChg chg="undo custSel modSld">
-      <pc:chgData name="Shady Boukhary" userId="811e0ece2aa77533" providerId="LiveId" clId="{84F1D14C-976D-4B9F-8018-63174BB53F8E}" dt="2018-04-04T20:41:00.514" v="428" actId="20577"/>
+      <pc:chgData name="Shady Boukhary" userId="811e0ece2aa77533" providerId="LiveId" clId="{84F1D14C-976D-4B9F-8018-63174BB53F8E}" dt="2018-04-04T23:57:22.169" v="593" actId="26606"/>
       <pc:docMkLst>
         <pc:docMk/>
       </pc:docMkLst>
-      <pc:sldChg chg="addSp delSp delDesignElem">
-        <pc:chgData name="Shady Boukhary" userId="811e0ece2aa77533" providerId="LiveId" clId="{84F1D14C-976D-4B9F-8018-63174BB53F8E}" dt="2018-04-04T19:14:09.860" v="20"/>
+      <pc:sldChg chg="addSp delSp modSp mod setBg setClrOvrMap delDesignElem">
+        <pc:chgData name="Shady Boukhary" userId="811e0ece2aa77533" providerId="LiveId" clId="{84F1D14C-976D-4B9F-8018-63174BB53F8E}" dt="2018-04-04T23:57:22.169" v="593" actId="26606"/>
         <pc:sldMkLst>
           <pc:docMk/>
           <pc:sldMk cId="3698480457" sldId="256"/>
         </pc:sldMkLst>
+        <pc:spChg chg="mod">
+          <ac:chgData name="Shady Boukhary" userId="811e0ece2aa77533" providerId="LiveId" clId="{84F1D14C-976D-4B9F-8018-63174BB53F8E}" dt="2018-04-04T23:57:22.169" v="593" actId="26606"/>
+          <ac:spMkLst>
+            <pc:docMk/>
+            <pc:sldMk cId="3698480457" sldId="256"/>
+            <ac:spMk id="2" creationId="{603C1E8F-D095-49E1-AE8D-A994D0CAA4AE}"/>
+          </ac:spMkLst>
+        </pc:spChg>
+        <pc:spChg chg="mod">
+          <ac:chgData name="Shady Boukhary" userId="811e0ece2aa77533" providerId="LiveId" clId="{84F1D14C-976D-4B9F-8018-63174BB53F8E}" dt="2018-04-04T23:57:22.148" v="592" actId="26606"/>
+          <ac:spMkLst>
+            <pc:docMk/>
+            <pc:sldMk cId="3698480457" sldId="256"/>
+            <ac:spMk id="3" creationId="{20DBF12B-C07D-410C-AB49-CF9870B5DE79}"/>
+          </ac:spMkLst>
+        </pc:spChg>
         <pc:spChg chg="add del">
-          <ac:chgData name="Shady Boukhary" userId="811e0ece2aa77533" providerId="LiveId" clId="{84F1D14C-976D-4B9F-8018-63174BB53F8E}" dt="2018-04-04T19:14:09.860" v="20"/>
+          <ac:chgData name="Shady Boukhary" userId="811e0ece2aa77533" providerId="LiveId" clId="{84F1D14C-976D-4B9F-8018-63174BB53F8E}" dt="2018-04-04T23:57:22.169" v="593" actId="26606"/>
           <ac:spMkLst>
             <pc:docMk/>
             <pc:sldMk cId="3698480457" sldId="256"/>
@@ -1240,7 +1256,7 @@
           </ac:spMkLst>
         </pc:spChg>
         <pc:spChg chg="add del">
-          <ac:chgData name="Shady Boukhary" userId="811e0ece2aa77533" providerId="LiveId" clId="{84F1D14C-976D-4B9F-8018-63174BB53F8E}" dt="2018-04-04T19:14:09.860" v="20"/>
+          <ac:chgData name="Shady Boukhary" userId="811e0ece2aa77533" providerId="LiveId" clId="{84F1D14C-976D-4B9F-8018-63174BB53F8E}" dt="2018-04-04T23:57:22.169" v="593" actId="26606"/>
           <ac:spMkLst>
             <pc:docMk/>
             <pc:sldMk cId="3698480457" sldId="256"/>
@@ -1248,7 +1264,7 @@
           </ac:spMkLst>
         </pc:spChg>
         <pc:spChg chg="add del">
-          <ac:chgData name="Shady Boukhary" userId="811e0ece2aa77533" providerId="LiveId" clId="{84F1D14C-976D-4B9F-8018-63174BB53F8E}" dt="2018-04-04T19:14:09.860" v="20"/>
+          <ac:chgData name="Shady Boukhary" userId="811e0ece2aa77533" providerId="LiveId" clId="{84F1D14C-976D-4B9F-8018-63174BB53F8E}" dt="2018-04-04T23:57:22.169" v="593" actId="26606"/>
           <ac:spMkLst>
             <pc:docMk/>
             <pc:sldMk cId="3698480457" sldId="256"/>
@@ -1256,7 +1272,7 @@
           </ac:spMkLst>
         </pc:spChg>
         <pc:spChg chg="add del">
-          <ac:chgData name="Shady Boukhary" userId="811e0ece2aa77533" providerId="LiveId" clId="{84F1D14C-976D-4B9F-8018-63174BB53F8E}" dt="2018-04-04T19:14:09.860" v="20"/>
+          <ac:chgData name="Shady Boukhary" userId="811e0ece2aa77533" providerId="LiveId" clId="{84F1D14C-976D-4B9F-8018-63174BB53F8E}" dt="2018-04-04T23:57:22.169" v="593" actId="26606"/>
           <ac:spMkLst>
             <pc:docMk/>
             <pc:sldMk cId="3698480457" sldId="256"/>
@@ -1264,7 +1280,7 @@
           </ac:spMkLst>
         </pc:spChg>
         <pc:spChg chg="add del">
-          <ac:chgData name="Shady Boukhary" userId="811e0ece2aa77533" providerId="LiveId" clId="{84F1D14C-976D-4B9F-8018-63174BB53F8E}" dt="2018-04-04T19:14:09.860" v="20"/>
+          <ac:chgData name="Shady Boukhary" userId="811e0ece2aa77533" providerId="LiveId" clId="{84F1D14C-976D-4B9F-8018-63174BB53F8E}" dt="2018-04-04T23:57:22.169" v="593" actId="26606"/>
           <ac:spMkLst>
             <pc:docMk/>
             <pc:sldMk cId="3698480457" sldId="256"/>
@@ -1272,7 +1288,7 @@
           </ac:spMkLst>
         </pc:spChg>
         <pc:spChg chg="add del">
-          <ac:chgData name="Shady Boukhary" userId="811e0ece2aa77533" providerId="LiveId" clId="{84F1D14C-976D-4B9F-8018-63174BB53F8E}" dt="2018-04-04T19:14:09.860" v="20"/>
+          <ac:chgData name="Shady Boukhary" userId="811e0ece2aa77533" providerId="LiveId" clId="{84F1D14C-976D-4B9F-8018-63174BB53F8E}" dt="2018-04-04T23:57:22.169" v="593" actId="26606"/>
           <ac:spMkLst>
             <pc:docMk/>
             <pc:sldMk cId="3698480457" sldId="256"/>
@@ -1280,7 +1296,7 @@
           </ac:spMkLst>
         </pc:spChg>
         <pc:spChg chg="add del">
-          <ac:chgData name="Shady Boukhary" userId="811e0ece2aa77533" providerId="LiveId" clId="{84F1D14C-976D-4B9F-8018-63174BB53F8E}" dt="2018-04-04T19:14:09.860" v="20"/>
+          <ac:chgData name="Shady Boukhary" userId="811e0ece2aa77533" providerId="LiveId" clId="{84F1D14C-976D-4B9F-8018-63174BB53F8E}" dt="2018-04-04T23:57:22.169" v="593" actId="26606"/>
           <ac:spMkLst>
             <pc:docMk/>
             <pc:sldMk cId="3698480457" sldId="256"/>
@@ -1288,15 +1304,215 @@
           </ac:spMkLst>
         </pc:spChg>
         <pc:spChg chg="add del">
-          <ac:chgData name="Shady Boukhary" userId="811e0ece2aa77533" providerId="LiveId" clId="{84F1D14C-976D-4B9F-8018-63174BB53F8E}" dt="2018-04-04T19:14:09.860" v="20"/>
+          <ac:chgData name="Shady Boukhary" userId="811e0ece2aa77533" providerId="LiveId" clId="{84F1D14C-976D-4B9F-8018-63174BB53F8E}" dt="2018-04-04T23:57:22.169" v="593" actId="26606"/>
           <ac:spMkLst>
             <pc:docMk/>
             <pc:sldMk cId="3698480457" sldId="256"/>
             <ac:spMk id="55" creationId="{9D2E8756-2465-473A-BA2A-2DB1D6224745}"/>
           </ac:spMkLst>
         </pc:spChg>
+        <pc:spChg chg="add del">
+          <ac:chgData name="Shady Boukhary" userId="811e0ece2aa77533" providerId="LiveId" clId="{84F1D14C-976D-4B9F-8018-63174BB53F8E}" dt="2018-04-04T23:57:04.549" v="582" actId="26606"/>
+          <ac:spMkLst>
+            <pc:docMk/>
+            <pc:sldMk cId="3698480457" sldId="256"/>
+            <ac:spMk id="60" creationId="{2783C067-F8BF-4755-B516-8A0CD74CF60C}"/>
+          </ac:spMkLst>
+        </pc:spChg>
+        <pc:spChg chg="add del">
+          <ac:chgData name="Shady Boukhary" userId="811e0ece2aa77533" providerId="LiveId" clId="{84F1D14C-976D-4B9F-8018-63174BB53F8E}" dt="2018-04-04T23:57:04.549" v="582" actId="26606"/>
+          <ac:spMkLst>
+            <pc:docMk/>
+            <pc:sldMk cId="3698480457" sldId="256"/>
+            <ac:spMk id="62" creationId="{549A2DAB-B431-487D-95AD-BB0FECB49E57}"/>
+          </ac:spMkLst>
+        </pc:spChg>
+        <pc:spChg chg="add del">
+          <ac:chgData name="Shady Boukhary" userId="811e0ece2aa77533" providerId="LiveId" clId="{84F1D14C-976D-4B9F-8018-63174BB53F8E}" dt="2018-04-04T23:57:04.549" v="582" actId="26606"/>
+          <ac:spMkLst>
+            <pc:docMk/>
+            <pc:sldMk cId="3698480457" sldId="256"/>
+            <ac:spMk id="68" creationId="{0819F787-32B4-46A8-BC57-C6571BCEE243}"/>
+          </ac:spMkLst>
+        </pc:spChg>
+        <pc:spChg chg="add del">
+          <ac:chgData name="Shady Boukhary" userId="811e0ece2aa77533" providerId="LiveId" clId="{84F1D14C-976D-4B9F-8018-63174BB53F8E}" dt="2018-04-04T23:57:04.549" v="582" actId="26606"/>
+          <ac:spMkLst>
+            <pc:docMk/>
+            <pc:sldMk cId="3698480457" sldId="256"/>
+            <ac:spMk id="70" creationId="{2ED796EC-E7FF-46DB-B912-FB08BF12AA6E}"/>
+          </ac:spMkLst>
+        </pc:spChg>
+        <pc:spChg chg="add del">
+          <ac:chgData name="Shady Boukhary" userId="811e0ece2aa77533" providerId="LiveId" clId="{84F1D14C-976D-4B9F-8018-63174BB53F8E}" dt="2018-04-04T23:57:08.536" v="584" actId="26606"/>
+          <ac:spMkLst>
+            <pc:docMk/>
+            <pc:sldMk cId="3698480457" sldId="256"/>
+            <ac:spMk id="71" creationId="{69370F01-B8C9-4CE4-824C-92B2792E6ED0}"/>
+          </ac:spMkLst>
+        </pc:spChg>
+        <pc:spChg chg="add del">
+          <ac:chgData name="Shady Boukhary" userId="811e0ece2aa77533" providerId="LiveId" clId="{84F1D14C-976D-4B9F-8018-63174BB53F8E}" dt="2018-04-04T23:57:08.536" v="584" actId="26606"/>
+          <ac:spMkLst>
+            <pc:docMk/>
+            <pc:sldMk cId="3698480457" sldId="256"/>
+            <ac:spMk id="72" creationId="{0ADFFC45-3DC9-4433-926F-043E879D9DFC}"/>
+          </ac:spMkLst>
+        </pc:spChg>
+        <pc:spChg chg="add">
+          <ac:chgData name="Shady Boukhary" userId="811e0ece2aa77533" providerId="LiveId" clId="{84F1D14C-976D-4B9F-8018-63174BB53F8E}" dt="2018-04-04T23:57:22.169" v="593" actId="26606"/>
+          <ac:spMkLst>
+            <pc:docMk/>
+            <pc:sldMk cId="3698480457" sldId="256"/>
+            <ac:spMk id="74" creationId="{4BE96B01-3929-432D-B8C2-ADBCB74C2EF4}"/>
+          </ac:spMkLst>
+        </pc:spChg>
+        <pc:spChg chg="add">
+          <ac:chgData name="Shady Boukhary" userId="811e0ece2aa77533" providerId="LiveId" clId="{84F1D14C-976D-4B9F-8018-63174BB53F8E}" dt="2018-04-04T23:57:22.169" v="593" actId="26606"/>
+          <ac:spMkLst>
+            <pc:docMk/>
+            <pc:sldMk cId="3698480457" sldId="256"/>
+            <ac:spMk id="76" creationId="{2A6FCDE6-CDE2-4C51-B18E-A95CFB679714}"/>
+          </ac:spMkLst>
+        </pc:spChg>
+        <pc:spChg chg="add del">
+          <ac:chgData name="Shady Boukhary" userId="811e0ece2aa77533" providerId="LiveId" clId="{84F1D14C-976D-4B9F-8018-63174BB53F8E}" dt="2018-04-04T23:57:12.063" v="586" actId="26606"/>
+          <ac:spMkLst>
+            <pc:docMk/>
+            <pc:sldMk cId="3698480457" sldId="256"/>
+            <ac:spMk id="78" creationId="{27577DEC-D9A5-404D-9789-702F4319BEC8}"/>
+          </ac:spMkLst>
+        </pc:spChg>
+        <pc:spChg chg="add del">
+          <ac:chgData name="Shady Boukhary" userId="811e0ece2aa77533" providerId="LiveId" clId="{84F1D14C-976D-4B9F-8018-63174BB53F8E}" dt="2018-04-04T23:57:15.548" v="588" actId="26606"/>
+          <ac:spMkLst>
+            <pc:docMk/>
+            <pc:sldMk cId="3698480457" sldId="256"/>
+            <ac:spMk id="86" creationId="{9B8A5A16-7BE9-4AA1-9B5E-00FAFA5C8647}"/>
+          </ac:spMkLst>
+        </pc:spChg>
+        <pc:spChg chg="add del">
+          <ac:chgData name="Shady Boukhary" userId="811e0ece2aa77533" providerId="LiveId" clId="{84F1D14C-976D-4B9F-8018-63174BB53F8E}" dt="2018-04-04T23:57:17.925" v="590" actId="26606"/>
+          <ac:spMkLst>
+            <pc:docMk/>
+            <pc:sldMk cId="3698480457" sldId="256"/>
+            <ac:spMk id="94" creationId="{4F57DB1C-6494-4CC4-A5E8-931957565379}"/>
+          </ac:spMkLst>
+        </pc:spChg>
+        <pc:spChg chg="add del">
+          <ac:chgData name="Shady Boukhary" userId="811e0ece2aa77533" providerId="LiveId" clId="{84F1D14C-976D-4B9F-8018-63174BB53F8E}" dt="2018-04-04T23:57:17.925" v="590" actId="26606"/>
+          <ac:spMkLst>
+            <pc:docMk/>
+            <pc:sldMk cId="3698480457" sldId="256"/>
+            <ac:spMk id="96" creationId="{0F7CB8B2-5D0D-49C7-96F1-4D6B8708914F}"/>
+          </ac:spMkLst>
+        </pc:spChg>
+        <pc:spChg chg="add del">
+          <ac:chgData name="Shady Boukhary" userId="811e0ece2aa77533" providerId="LiveId" clId="{84F1D14C-976D-4B9F-8018-63174BB53F8E}" dt="2018-04-04T23:57:17.925" v="590" actId="26606"/>
+          <ac:spMkLst>
+            <pc:docMk/>
+            <pc:sldMk cId="3698480457" sldId="256"/>
+            <ac:spMk id="98" creationId="{A27691EB-14CF-4237-B5EB-C94B92677A05}"/>
+          </ac:spMkLst>
+        </pc:spChg>
+        <pc:spChg chg="add del">
+          <ac:chgData name="Shady Boukhary" userId="811e0ece2aa77533" providerId="LiveId" clId="{84F1D14C-976D-4B9F-8018-63174BB53F8E}" dt="2018-04-04T23:57:17.925" v="590" actId="26606"/>
+          <ac:spMkLst>
+            <pc:docMk/>
+            <pc:sldMk cId="3698480457" sldId="256"/>
+            <ac:spMk id="99" creationId="{FFFB778B-5206-4BB0-A468-327E71367654}"/>
+          </ac:spMkLst>
+        </pc:spChg>
+        <pc:spChg chg="add del">
+          <ac:chgData name="Shady Boukhary" userId="811e0ece2aa77533" providerId="LiveId" clId="{84F1D14C-976D-4B9F-8018-63174BB53F8E}" dt="2018-04-04T23:57:22.148" v="592" actId="26606"/>
+          <ac:spMkLst>
+            <pc:docMk/>
+            <pc:sldMk cId="3698480457" sldId="256"/>
+            <ac:spMk id="101" creationId="{27577DEC-D9A5-404D-9789-702F4319BEC8}"/>
+          </ac:spMkLst>
+        </pc:spChg>
+        <pc:spChg chg="add">
+          <ac:chgData name="Shady Boukhary" userId="811e0ece2aa77533" providerId="LiveId" clId="{84F1D14C-976D-4B9F-8018-63174BB53F8E}" dt="2018-04-04T23:57:22.169" v="593" actId="26606"/>
+          <ac:spMkLst>
+            <pc:docMk/>
+            <pc:sldMk cId="3698480457" sldId="256"/>
+            <ac:spMk id="109" creationId="{9179DE42-5613-4B35-A1E6-6CCBAA13C743}"/>
+          </ac:spMkLst>
+        </pc:spChg>
+        <pc:spChg chg="add">
+          <ac:chgData name="Shady Boukhary" userId="811e0ece2aa77533" providerId="LiveId" clId="{84F1D14C-976D-4B9F-8018-63174BB53F8E}" dt="2018-04-04T23:57:22.169" v="593" actId="26606"/>
+          <ac:spMkLst>
+            <pc:docMk/>
+            <pc:sldMk cId="3698480457" sldId="256"/>
+            <ac:spMk id="112" creationId="{52FB45E9-914E-4471-AC87-E475CD51767D}"/>
+          </ac:spMkLst>
+        </pc:spChg>
+        <pc:spChg chg="add">
+          <ac:chgData name="Shady Boukhary" userId="811e0ece2aa77533" providerId="LiveId" clId="{84F1D14C-976D-4B9F-8018-63174BB53F8E}" dt="2018-04-04T23:57:22.169" v="593" actId="26606"/>
+          <ac:spMkLst>
+            <pc:docMk/>
+            <pc:sldMk cId="3698480457" sldId="256"/>
+            <ac:spMk id="113" creationId="{C310626D-5743-49D4-8F7D-88C4F8F05774}"/>
+          </ac:spMkLst>
+        </pc:spChg>
+        <pc:spChg chg="add">
+          <ac:chgData name="Shady Boukhary" userId="811e0ece2aa77533" providerId="LiveId" clId="{84F1D14C-976D-4B9F-8018-63174BB53F8E}" dt="2018-04-04T23:57:22.169" v="593" actId="26606"/>
+          <ac:spMkLst>
+            <pc:docMk/>
+            <pc:sldMk cId="3698480457" sldId="256"/>
+            <ac:spMk id="114" creationId="{3C195FC1-B568-4C72-9902-34CB35DDD7A1}"/>
+          </ac:spMkLst>
+        </pc:spChg>
+        <pc:spChg chg="add">
+          <ac:chgData name="Shady Boukhary" userId="811e0ece2aa77533" providerId="LiveId" clId="{84F1D14C-976D-4B9F-8018-63174BB53F8E}" dt="2018-04-04T23:57:22.169" v="593" actId="26606"/>
+          <ac:spMkLst>
+            <pc:docMk/>
+            <pc:sldMk cId="3698480457" sldId="256"/>
+            <ac:spMk id="115" creationId="{EF2BDF77-362C-43F0-8CBB-A969EC2AE0C4}"/>
+          </ac:spMkLst>
+        </pc:spChg>
+        <pc:spChg chg="add">
+          <ac:chgData name="Shady Boukhary" userId="811e0ece2aa77533" providerId="LiveId" clId="{84F1D14C-976D-4B9F-8018-63174BB53F8E}" dt="2018-04-04T23:57:22.169" v="593" actId="26606"/>
+          <ac:spMkLst>
+            <pc:docMk/>
+            <pc:sldMk cId="3698480457" sldId="256"/>
+            <ac:spMk id="116" creationId="{9D2E8756-2465-473A-BA2A-2DB1D6224745}"/>
+          </ac:spMkLst>
+        </pc:spChg>
+        <pc:grpChg chg="add del">
+          <ac:chgData name="Shady Boukhary" userId="811e0ece2aa77533" providerId="LiveId" clId="{84F1D14C-976D-4B9F-8018-63174BB53F8E}" dt="2018-04-04T23:57:08.536" v="584" actId="26606"/>
+          <ac:grpSpMkLst>
+            <pc:docMk/>
+            <pc:sldMk cId="3698480457" sldId="256"/>
+            <ac:grpSpMk id="73" creationId="{B5F26A87-0610-435F-AA13-BD658385C9D9}"/>
+          </ac:grpSpMkLst>
+        </pc:grpChg>
+        <pc:grpChg chg="add del">
+          <ac:chgData name="Shady Boukhary" userId="811e0ece2aa77533" providerId="LiveId" clId="{84F1D14C-976D-4B9F-8018-63174BB53F8E}" dt="2018-04-04T23:57:12.063" v="586" actId="26606"/>
+          <ac:grpSpMkLst>
+            <pc:docMk/>
+            <pc:sldMk cId="3698480457" sldId="256"/>
+            <ac:grpSpMk id="79" creationId="{CEEA9366-CEA8-4F23-B065-4337F0D836FE}"/>
+          </ac:grpSpMkLst>
+        </pc:grpChg>
+        <pc:grpChg chg="add del">
+          <ac:chgData name="Shady Boukhary" userId="811e0ece2aa77533" providerId="LiveId" clId="{84F1D14C-976D-4B9F-8018-63174BB53F8E}" dt="2018-04-04T23:57:15.548" v="588" actId="26606"/>
+          <ac:grpSpMkLst>
+            <pc:docMk/>
+            <pc:sldMk cId="3698480457" sldId="256"/>
+            <ac:grpSpMk id="87" creationId="{C55D27F9-7623-4A6E-89FF-87E6C4E0D908}"/>
+          </ac:grpSpMkLst>
+        </pc:grpChg>
+        <pc:grpChg chg="add del">
+          <ac:chgData name="Shady Boukhary" userId="811e0ece2aa77533" providerId="LiveId" clId="{84F1D14C-976D-4B9F-8018-63174BB53F8E}" dt="2018-04-04T23:57:22.148" v="592" actId="26606"/>
+          <ac:grpSpMkLst>
+            <pc:docMk/>
+            <pc:sldMk cId="3698480457" sldId="256"/>
+            <ac:grpSpMk id="102" creationId="{CEEA9366-CEA8-4F23-B065-4337F0D836FE}"/>
+          </ac:grpSpMkLst>
+        </pc:grpChg>
         <pc:cxnChg chg="add del">
-          <ac:chgData name="Shady Boukhary" userId="811e0ece2aa77533" providerId="LiveId" clId="{84F1D14C-976D-4B9F-8018-63174BB53F8E}" dt="2018-04-04T19:14:09.860" v="20"/>
+          <ac:chgData name="Shady Boukhary" userId="811e0ece2aa77533" providerId="LiveId" clId="{84F1D14C-976D-4B9F-8018-63174BB53F8E}" dt="2018-04-04T23:57:22.169" v="593" actId="26606"/>
           <ac:cxnSpMkLst>
             <pc:docMk/>
             <pc:sldMk cId="3698480457" sldId="256"/>
@@ -1304,13 +1520,361 @@
           </ac:cxnSpMkLst>
         </pc:cxnChg>
         <pc:cxnChg chg="add del">
-          <ac:chgData name="Shady Boukhary" userId="811e0ece2aa77533" providerId="LiveId" clId="{84F1D14C-976D-4B9F-8018-63174BB53F8E}" dt="2018-04-04T19:14:09.860" v="20"/>
+          <ac:chgData name="Shady Boukhary" userId="811e0ece2aa77533" providerId="LiveId" clId="{84F1D14C-976D-4B9F-8018-63174BB53F8E}" dt="2018-04-04T23:57:22.169" v="593" actId="26606"/>
           <ac:cxnSpMkLst>
             <pc:docMk/>
             <pc:sldMk cId="3698480457" sldId="256"/>
             <ac:cxnSpMk id="41" creationId="{4AE4806D-B8F9-4679-A68A-9BD21C01A301}"/>
           </ac:cxnSpMkLst>
         </pc:cxnChg>
+        <pc:cxnChg chg="add del">
+          <ac:chgData name="Shady Boukhary" userId="811e0ece2aa77533" providerId="LiveId" clId="{84F1D14C-976D-4B9F-8018-63174BB53F8E}" dt="2018-04-04T23:57:04.549" v="582" actId="26606"/>
+          <ac:cxnSpMkLst>
+            <pc:docMk/>
+            <pc:sldMk cId="3698480457" sldId="256"/>
+            <ac:cxnSpMk id="64" creationId="{C5ECDEE1-7093-418F-9CF5-24EEB115C1C1}"/>
+          </ac:cxnSpMkLst>
+        </pc:cxnChg>
+        <pc:cxnChg chg="add del">
+          <ac:chgData name="Shady Boukhary" userId="811e0ece2aa77533" providerId="LiveId" clId="{84F1D14C-976D-4B9F-8018-63174BB53F8E}" dt="2018-04-04T23:57:04.549" v="582" actId="26606"/>
+          <ac:cxnSpMkLst>
+            <pc:docMk/>
+            <pc:sldMk cId="3698480457" sldId="256"/>
+            <ac:cxnSpMk id="66" creationId="{045062AF-EB11-4651-BC4A-4DA21768DE8E}"/>
+          </ac:cxnSpMkLst>
+        </pc:cxnChg>
+        <pc:cxnChg chg="add del">
+          <ac:chgData name="Shady Boukhary" userId="811e0ece2aa77533" providerId="LiveId" clId="{84F1D14C-976D-4B9F-8018-63174BB53F8E}" dt="2018-04-04T23:57:17.925" v="590" actId="26606"/>
+          <ac:cxnSpMkLst>
+            <pc:docMk/>
+            <pc:sldMk cId="3698480457" sldId="256"/>
+            <ac:cxnSpMk id="95" creationId="{22721A85-1EA4-4D87-97AB-0BB4AB78F92D}"/>
+          </ac:cxnSpMkLst>
+        </pc:cxnChg>
+        <pc:cxnChg chg="add del">
+          <ac:chgData name="Shady Boukhary" userId="811e0ece2aa77533" providerId="LiveId" clId="{84F1D14C-976D-4B9F-8018-63174BB53F8E}" dt="2018-04-04T23:57:17.925" v="590" actId="26606"/>
+          <ac:cxnSpMkLst>
+            <pc:docMk/>
+            <pc:sldMk cId="3698480457" sldId="256"/>
+            <ac:cxnSpMk id="97" creationId="{E5E836EB-03CD-4BA5-A751-21D2ACC28303}"/>
+          </ac:cxnSpMkLst>
+        </pc:cxnChg>
+        <pc:cxnChg chg="add">
+          <ac:chgData name="Shady Boukhary" userId="811e0ece2aa77533" providerId="LiveId" clId="{84F1D14C-976D-4B9F-8018-63174BB53F8E}" dt="2018-04-04T23:57:22.169" v="593" actId="26606"/>
+          <ac:cxnSpMkLst>
+            <pc:docMk/>
+            <pc:sldMk cId="3698480457" sldId="256"/>
+            <ac:cxnSpMk id="110" creationId="{EB898B32-3891-4C3A-8F58-C5969D2E9033}"/>
+          </ac:cxnSpMkLst>
+        </pc:cxnChg>
+        <pc:cxnChg chg="add">
+          <ac:chgData name="Shady Boukhary" userId="811e0ece2aa77533" providerId="LiveId" clId="{84F1D14C-976D-4B9F-8018-63174BB53F8E}" dt="2018-04-04T23:57:22.169" v="593" actId="26606"/>
+          <ac:cxnSpMkLst>
+            <pc:docMk/>
+            <pc:sldMk cId="3698480457" sldId="256"/>
+            <ac:cxnSpMk id="111" creationId="{4AE4806D-B8F9-4679-A68A-9BD21C01A301}"/>
+          </ac:cxnSpMkLst>
+        </pc:cxnChg>
+      </pc:sldChg>
+      <pc:sldChg chg="addSp delSp modSp mod setBg">
+        <pc:chgData name="Shady Boukhary" userId="811e0ece2aa77533" providerId="LiveId" clId="{84F1D14C-976D-4B9F-8018-63174BB53F8E}" dt="2018-04-04T23:43:52.647" v="438" actId="26606"/>
+        <pc:sldMkLst>
+          <pc:docMk/>
+          <pc:sldMk cId="2820849449" sldId="257"/>
+        </pc:sldMkLst>
+        <pc:spChg chg="mod ord">
+          <ac:chgData name="Shady Boukhary" userId="811e0ece2aa77533" providerId="LiveId" clId="{84F1D14C-976D-4B9F-8018-63174BB53F8E}" dt="2018-04-04T23:43:52.647" v="438" actId="26606"/>
+          <ac:spMkLst>
+            <pc:docMk/>
+            <pc:sldMk cId="2820849449" sldId="257"/>
+            <ac:spMk id="2" creationId="{F19B8ED4-C921-4C55-BF95-4E22FCEE94ED}"/>
+          </ac:spMkLst>
+        </pc:spChg>
+        <pc:spChg chg="mod ord">
+          <ac:chgData name="Shady Boukhary" userId="811e0ece2aa77533" providerId="LiveId" clId="{84F1D14C-976D-4B9F-8018-63174BB53F8E}" dt="2018-04-04T23:43:52.647" v="438" actId="26606"/>
+          <ac:spMkLst>
+            <pc:docMk/>
+            <pc:sldMk cId="2820849449" sldId="257"/>
+            <ac:spMk id="3" creationId="{372DE9C9-14A3-40C6-94C0-B74FFFAACD27}"/>
+          </ac:spMkLst>
+        </pc:spChg>
+        <pc:spChg chg="add del">
+          <ac:chgData name="Shady Boukhary" userId="811e0ece2aa77533" providerId="LiveId" clId="{84F1D14C-976D-4B9F-8018-63174BB53F8E}" dt="2018-04-04T23:43:47.147" v="435" actId="26606"/>
+          <ac:spMkLst>
+            <pc:docMk/>
+            <pc:sldMk cId="2820849449" sldId="257"/>
+            <ac:spMk id="14" creationId="{0663EB55-934F-42EF-80DE-098647DE7A01}"/>
+          </ac:spMkLst>
+        </pc:spChg>
+        <pc:spChg chg="add del">
+          <ac:chgData name="Shady Boukhary" userId="811e0ece2aa77533" providerId="LiveId" clId="{84F1D14C-976D-4B9F-8018-63174BB53F8E}" dt="2018-04-04T23:43:52.642" v="437" actId="26606"/>
+          <ac:spMkLst>
+            <pc:docMk/>
+            <pc:sldMk cId="2820849449" sldId="257"/>
+            <ac:spMk id="17" creationId="{1D072662-04D1-483A-9368-D2EBCEB6456C}"/>
+          </ac:spMkLst>
+        </pc:spChg>
+        <pc:spChg chg="add">
+          <ac:chgData name="Shady Boukhary" userId="811e0ece2aa77533" providerId="LiveId" clId="{84F1D14C-976D-4B9F-8018-63174BB53F8E}" dt="2018-04-04T23:43:52.647" v="438" actId="26606"/>
+          <ac:spMkLst>
+            <pc:docMk/>
+            <pc:sldMk cId="2820849449" sldId="257"/>
+            <ac:spMk id="20" creationId="{0663EB55-934F-42EF-80DE-098647DE7A01}"/>
+          </ac:spMkLst>
+        </pc:spChg>
+        <pc:picChg chg="add mod ord">
+          <ac:chgData name="Shady Boukhary" userId="811e0ece2aa77533" providerId="LiveId" clId="{84F1D14C-976D-4B9F-8018-63174BB53F8E}" dt="2018-04-04T23:43:52.647" v="438" actId="26606"/>
+          <ac:picMkLst>
+            <pc:docMk/>
+            <pc:sldMk cId="2820849449" sldId="257"/>
+            <ac:picMk id="5" creationId="{9268CE11-710E-4746-A86B-C6E6DB68A750}"/>
+          </ac:picMkLst>
+        </pc:picChg>
+        <pc:picChg chg="add mod ord">
+          <ac:chgData name="Shady Boukhary" userId="811e0ece2aa77533" providerId="LiveId" clId="{84F1D14C-976D-4B9F-8018-63174BB53F8E}" dt="2018-04-04T23:43:52.647" v="438" actId="26606"/>
+          <ac:picMkLst>
+            <pc:docMk/>
+            <pc:sldMk cId="2820849449" sldId="257"/>
+            <ac:picMk id="7" creationId="{EE113E81-87F0-4D32-8685-5C446B1A23BB}"/>
+          </ac:picMkLst>
+        </pc:picChg>
+        <pc:cxnChg chg="add del">
+          <ac:chgData name="Shady Boukhary" userId="811e0ece2aa77533" providerId="LiveId" clId="{84F1D14C-976D-4B9F-8018-63174BB53F8E}" dt="2018-04-04T23:43:47.147" v="435" actId="26606"/>
+          <ac:cxnSpMkLst>
+            <pc:docMk/>
+            <pc:sldMk cId="2820849449" sldId="257"/>
+            <ac:cxnSpMk id="12" creationId="{B31FD3CE-CE0A-4FD9-967C-4D340CA3788F}"/>
+          </ac:cxnSpMkLst>
+        </pc:cxnChg>
+        <pc:cxnChg chg="add del">
+          <ac:chgData name="Shady Boukhary" userId="811e0ece2aa77533" providerId="LiveId" clId="{84F1D14C-976D-4B9F-8018-63174BB53F8E}" dt="2018-04-04T23:43:52.642" v="437" actId="26606"/>
+          <ac:cxnSpMkLst>
+            <pc:docMk/>
+            <pc:sldMk cId="2820849449" sldId="257"/>
+            <ac:cxnSpMk id="16" creationId="{F9BABCF5-BD8B-4ED5-8596-F1AB77FDF9E9}"/>
+          </ac:cxnSpMkLst>
+        </pc:cxnChg>
+        <pc:cxnChg chg="add">
+          <ac:chgData name="Shady Boukhary" userId="811e0ece2aa77533" providerId="LiveId" clId="{84F1D14C-976D-4B9F-8018-63174BB53F8E}" dt="2018-04-04T23:43:52.647" v="438" actId="26606"/>
+          <ac:cxnSpMkLst>
+            <pc:docMk/>
+            <pc:sldMk cId="2820849449" sldId="257"/>
+            <ac:cxnSpMk id="19" creationId="{B31FD3CE-CE0A-4FD9-967C-4D340CA3788F}"/>
+          </ac:cxnSpMkLst>
+        </pc:cxnChg>
+      </pc:sldChg>
+      <pc:sldChg chg="addSp delSp modSp mod setBg">
+        <pc:chgData name="Shady Boukhary" userId="811e0ece2aa77533" providerId="LiveId" clId="{84F1D14C-976D-4B9F-8018-63174BB53F8E}" dt="2018-04-04T23:46:16.582" v="457" actId="26606"/>
+        <pc:sldMkLst>
+          <pc:docMk/>
+          <pc:sldMk cId="1353206020" sldId="258"/>
+        </pc:sldMkLst>
+        <pc:spChg chg="mod">
+          <ac:chgData name="Shady Boukhary" userId="811e0ece2aa77533" providerId="LiveId" clId="{84F1D14C-976D-4B9F-8018-63174BB53F8E}" dt="2018-04-04T23:46:16.582" v="457" actId="26606"/>
+          <ac:spMkLst>
+            <pc:docMk/>
+            <pc:sldMk cId="1353206020" sldId="258"/>
+            <ac:spMk id="2" creationId="{A32C412E-736B-410A-B8E6-20047B01E79A}"/>
+          </ac:spMkLst>
+        </pc:spChg>
+        <pc:spChg chg="mod">
+          <ac:chgData name="Shady Boukhary" userId="811e0ece2aa77533" providerId="LiveId" clId="{84F1D14C-976D-4B9F-8018-63174BB53F8E}" dt="2018-04-04T23:46:16.582" v="457" actId="26606"/>
+          <ac:spMkLst>
+            <pc:docMk/>
+            <pc:sldMk cId="1353206020" sldId="258"/>
+            <ac:spMk id="3" creationId="{9E3A1700-7B06-4A8F-B8BD-63856D0A16A2}"/>
+          </ac:spMkLst>
+        </pc:spChg>
+        <pc:spChg chg="add del">
+          <ac:chgData name="Shady Boukhary" userId="811e0ece2aa77533" providerId="LiveId" clId="{84F1D14C-976D-4B9F-8018-63174BB53F8E}" dt="2018-04-04T23:44:29.899" v="445" actId="26606"/>
+          <ac:spMkLst>
+            <pc:docMk/>
+            <pc:sldMk cId="1353206020" sldId="258"/>
+            <ac:spMk id="14" creationId="{0663EB55-934F-42EF-80DE-098647DE7A01}"/>
+          </ac:spMkLst>
+        </pc:spChg>
+        <pc:spChg chg="add del">
+          <ac:chgData name="Shady Boukhary" userId="811e0ece2aa77533" providerId="LiveId" clId="{84F1D14C-976D-4B9F-8018-63174BB53F8E}" dt="2018-04-04T23:44:38.400" v="447" actId="26606"/>
+          <ac:spMkLst>
+            <pc:docMk/>
+            <pc:sldMk cId="1353206020" sldId="258"/>
+            <ac:spMk id="16" creationId="{B09A8B04-373D-40BD-9442-2D3540D3CFF2}"/>
+          </ac:spMkLst>
+        </pc:spChg>
+        <pc:spChg chg="add del">
+          <ac:chgData name="Shady Boukhary" userId="811e0ece2aa77533" providerId="LiveId" clId="{84F1D14C-976D-4B9F-8018-63174BB53F8E}" dt="2018-04-04T23:44:45.061" v="449" actId="26606"/>
+          <ac:spMkLst>
+            <pc:docMk/>
+            <pc:sldMk cId="1353206020" sldId="258"/>
+            <ac:spMk id="19" creationId="{1AE166DB-AAFD-43D1-8EC4-ADD4E4C3F244}"/>
+          </ac:spMkLst>
+        </pc:spChg>
+        <pc:spChg chg="add del">
+          <ac:chgData name="Shady Boukhary" userId="811e0ece2aa77533" providerId="LiveId" clId="{84F1D14C-976D-4B9F-8018-63174BB53F8E}" dt="2018-04-04T23:44:45.061" v="449" actId="26606"/>
+          <ac:spMkLst>
+            <pc:docMk/>
+            <pc:sldMk cId="1353206020" sldId="258"/>
+            <ac:spMk id="20" creationId="{625D60D8-BD85-41C5-AD1D-0828926F254D}"/>
+          </ac:spMkLst>
+        </pc:spChg>
+        <pc:spChg chg="add del">
+          <ac:chgData name="Shady Boukhary" userId="811e0ece2aa77533" providerId="LiveId" clId="{84F1D14C-976D-4B9F-8018-63174BB53F8E}" dt="2018-04-04T23:46:02.635" v="453" actId="26606"/>
+          <ac:spMkLst>
+            <pc:docMk/>
+            <pc:sldMk cId="1353206020" sldId="258"/>
+            <ac:spMk id="22" creationId="{B09A8B04-373D-40BD-9442-2D3540D3CFF2}"/>
+          </ac:spMkLst>
+        </pc:spChg>
+        <pc:spChg chg="add del">
+          <ac:chgData name="Shady Boukhary" userId="811e0ece2aa77533" providerId="LiveId" clId="{84F1D14C-976D-4B9F-8018-63174BB53F8E}" dt="2018-04-04T23:46:16.582" v="457" actId="26606"/>
+          <ac:spMkLst>
+            <pc:docMk/>
+            <pc:sldMk cId="1353206020" sldId="258"/>
+            <ac:spMk id="28" creationId="{3BCB5F6A-9EB0-40B0-9D13-3023E9A20508}"/>
+          </ac:spMkLst>
+        </pc:spChg>
+        <pc:spChg chg="add">
+          <ac:chgData name="Shady Boukhary" userId="811e0ece2aa77533" providerId="LiveId" clId="{84F1D14C-976D-4B9F-8018-63174BB53F8E}" dt="2018-04-04T23:46:16.582" v="457" actId="26606"/>
+          <ac:spMkLst>
+            <pc:docMk/>
+            <pc:sldMk cId="1353206020" sldId="258"/>
+            <ac:spMk id="33" creationId="{B09A8B04-373D-40BD-9442-2D3540D3CFF2}"/>
+          </ac:spMkLst>
+        </pc:spChg>
+        <pc:picChg chg="add mod ord">
+          <ac:chgData name="Shady Boukhary" userId="811e0ece2aa77533" providerId="LiveId" clId="{84F1D14C-976D-4B9F-8018-63174BB53F8E}" dt="2018-04-04T23:46:16.582" v="457" actId="26606"/>
+          <ac:picMkLst>
+            <pc:docMk/>
+            <pc:sldMk cId="1353206020" sldId="258"/>
+            <ac:picMk id="5" creationId="{6A3DA9CB-9335-4A1B-A19D-8B030631D5A5}"/>
+          </ac:picMkLst>
+        </pc:picChg>
+        <pc:picChg chg="add del mod ord">
+          <ac:chgData name="Shady Boukhary" userId="811e0ece2aa77533" providerId="LiveId" clId="{84F1D14C-976D-4B9F-8018-63174BB53F8E}" dt="2018-04-04T23:45:58.859" v="452" actId="478"/>
+          <ac:picMkLst>
+            <pc:docMk/>
+            <pc:sldMk cId="1353206020" sldId="258"/>
+            <ac:picMk id="7" creationId="{C5E2B475-7E5B-4E69-B137-558EB41119CB}"/>
+          </ac:picMkLst>
+        </pc:picChg>
+        <pc:picChg chg="add mod ord">
+          <ac:chgData name="Shady Boukhary" userId="811e0ece2aa77533" providerId="LiveId" clId="{84F1D14C-976D-4B9F-8018-63174BB53F8E}" dt="2018-04-04T23:46:16.582" v="457" actId="26606"/>
+          <ac:picMkLst>
+            <pc:docMk/>
+            <pc:sldMk cId="1353206020" sldId="258"/>
+            <ac:picMk id="9" creationId="{437D80BE-D7BB-40C9-8A62-F68AAA7F2CB4}"/>
+          </ac:picMkLst>
+        </pc:picChg>
+        <pc:cxnChg chg="add del">
+          <ac:chgData name="Shady Boukhary" userId="811e0ece2aa77533" providerId="LiveId" clId="{84F1D14C-976D-4B9F-8018-63174BB53F8E}" dt="2018-04-04T23:44:29.899" v="445" actId="26606"/>
+          <ac:cxnSpMkLst>
+            <pc:docMk/>
+            <pc:sldMk cId="1353206020" sldId="258"/>
+            <ac:cxnSpMk id="12" creationId="{B31FD3CE-CE0A-4FD9-967C-4D340CA3788F}"/>
+          </ac:cxnSpMkLst>
+        </pc:cxnChg>
+        <pc:cxnChg chg="add del">
+          <ac:chgData name="Shady Boukhary" userId="811e0ece2aa77533" providerId="LiveId" clId="{84F1D14C-976D-4B9F-8018-63174BB53F8E}" dt="2018-04-04T23:44:38.400" v="447" actId="26606"/>
+          <ac:cxnSpMkLst>
+            <pc:docMk/>
+            <pc:sldMk cId="1353206020" sldId="258"/>
+            <ac:cxnSpMk id="17" creationId="{B5028193-7250-4674-AA37-E9040429AE0B}"/>
+          </ac:cxnSpMkLst>
+        </pc:cxnChg>
+        <pc:cxnChg chg="add del">
+          <ac:chgData name="Shady Boukhary" userId="811e0ece2aa77533" providerId="LiveId" clId="{84F1D14C-976D-4B9F-8018-63174BB53F8E}" dt="2018-04-04T23:46:02.635" v="453" actId="26606"/>
+          <ac:cxnSpMkLst>
+            <pc:docMk/>
+            <pc:sldMk cId="1353206020" sldId="258"/>
+            <ac:cxnSpMk id="23" creationId="{B5028193-7250-4674-AA37-E9040429AE0B}"/>
+          </ac:cxnSpMkLst>
+        </pc:cxnChg>
+        <pc:cxnChg chg="add">
+          <ac:chgData name="Shady Boukhary" userId="811e0ece2aa77533" providerId="LiveId" clId="{84F1D14C-976D-4B9F-8018-63174BB53F8E}" dt="2018-04-04T23:46:16.582" v="457" actId="26606"/>
+          <ac:cxnSpMkLst>
+            <pc:docMk/>
+            <pc:sldMk cId="1353206020" sldId="258"/>
+            <ac:cxnSpMk id="35" creationId="{B5028193-7250-4674-AA37-E9040429AE0B}"/>
+          </ac:cxnSpMkLst>
+        </pc:cxnChg>
+      </pc:sldChg>
+      <pc:sldChg chg="modSp">
+        <pc:chgData name="Shady Boukhary" userId="811e0ece2aa77533" providerId="LiveId" clId="{84F1D14C-976D-4B9F-8018-63174BB53F8E}" dt="2018-04-04T23:56:46.911" v="580" actId="26606"/>
+        <pc:sldMkLst>
+          <pc:docMk/>
+          <pc:sldMk cId="3248975790" sldId="259"/>
+        </pc:sldMkLst>
+        <pc:spChg chg="mod">
+          <ac:chgData name="Shady Boukhary" userId="811e0ece2aa77533" providerId="LiveId" clId="{84F1D14C-976D-4B9F-8018-63174BB53F8E}" dt="2018-04-04T23:56:46.911" v="580" actId="26606"/>
+          <ac:spMkLst>
+            <pc:docMk/>
+            <pc:sldMk cId="3248975790" sldId="259"/>
+            <ac:spMk id="2" creationId="{2A107161-4415-4C19-B4E9-179DB0E019BD}"/>
+          </ac:spMkLst>
+        </pc:spChg>
+        <pc:spChg chg="mod">
+          <ac:chgData name="Shady Boukhary" userId="811e0ece2aa77533" providerId="LiveId" clId="{84F1D14C-976D-4B9F-8018-63174BB53F8E}" dt="2018-04-04T23:56:46.911" v="580" actId="26606"/>
+          <ac:spMkLst>
+            <pc:docMk/>
+            <pc:sldMk cId="3248975790" sldId="259"/>
+            <ac:spMk id="11" creationId="{590F7D4E-E381-4035-B175-3B48E735A47B}"/>
+          </ac:spMkLst>
+        </pc:spChg>
+        <pc:picChg chg="mod">
+          <ac:chgData name="Shady Boukhary" userId="811e0ece2aa77533" providerId="LiveId" clId="{84F1D14C-976D-4B9F-8018-63174BB53F8E}" dt="2018-04-04T23:56:46.911" v="580" actId="26606"/>
+          <ac:picMkLst>
+            <pc:docMk/>
+            <pc:sldMk cId="3248975790" sldId="259"/>
+            <ac:picMk id="7" creationId="{84A4E042-A01F-418E-891C-B6827CDA5AEF}"/>
+          </ac:picMkLst>
+        </pc:picChg>
+        <pc:picChg chg="mod">
+          <ac:chgData name="Shady Boukhary" userId="811e0ece2aa77533" providerId="LiveId" clId="{84F1D14C-976D-4B9F-8018-63174BB53F8E}" dt="2018-04-04T23:56:46.911" v="580" actId="26606"/>
+          <ac:picMkLst>
+            <pc:docMk/>
+            <pc:sldMk cId="3248975790" sldId="259"/>
+            <ac:picMk id="9" creationId="{824C2C58-A721-49F7-AE59-CAE0C6233C94}"/>
+          </ac:picMkLst>
+        </pc:picChg>
+      </pc:sldChg>
+      <pc:sldChg chg="addSp delSp modSp mod setBg">
+        <pc:chgData name="Shady Boukhary" userId="811e0ece2aa77533" providerId="LiveId" clId="{84F1D14C-976D-4B9F-8018-63174BB53F8E}" dt="2018-04-04T23:48:12.273" v="506" actId="5793"/>
+        <pc:sldMkLst>
+          <pc:docMk/>
+          <pc:sldMk cId="749359698" sldId="260"/>
+        </pc:sldMkLst>
+        <pc:spChg chg="mod">
+          <ac:chgData name="Shady Boukhary" userId="811e0ece2aa77533" providerId="LiveId" clId="{84F1D14C-976D-4B9F-8018-63174BB53F8E}" dt="2018-04-04T23:47:39.061" v="464" actId="26606"/>
+          <ac:spMkLst>
+            <pc:docMk/>
+            <pc:sldMk cId="749359698" sldId="260"/>
+            <ac:spMk id="2" creationId="{A30771A1-0F33-459C-930F-072830CA2098}"/>
+          </ac:spMkLst>
+        </pc:spChg>
+        <pc:spChg chg="mod">
+          <ac:chgData name="Shady Boukhary" userId="811e0ece2aa77533" providerId="LiveId" clId="{84F1D14C-976D-4B9F-8018-63174BB53F8E}" dt="2018-04-04T23:48:12.273" v="506" actId="5793"/>
+          <ac:spMkLst>
+            <pc:docMk/>
+            <pc:sldMk cId="749359698" sldId="260"/>
+            <ac:spMk id="3" creationId="{475E778E-8F6B-49C2-BF65-0968417FF61C}"/>
+          </ac:spMkLst>
+        </pc:spChg>
+        <pc:spChg chg="add del">
+          <ac:chgData name="Shady Boukhary" userId="811e0ece2aa77533" providerId="LiveId" clId="{84F1D14C-976D-4B9F-8018-63174BB53F8E}" dt="2018-04-04T23:47:36.814" v="461" actId="26606"/>
+          <ac:spMkLst>
+            <pc:docMk/>
+            <pc:sldMk cId="749359698" sldId="260"/>
+            <ac:spMk id="10" creationId="{3BCB5F6A-9EB0-40B0-9D13-3023E9A20508}"/>
+          </ac:spMkLst>
+        </pc:spChg>
+        <pc:picChg chg="add mod ord">
+          <ac:chgData name="Shady Boukhary" userId="811e0ece2aa77533" providerId="LiveId" clId="{84F1D14C-976D-4B9F-8018-63174BB53F8E}" dt="2018-04-04T23:47:39.061" v="464" actId="26606"/>
+          <ac:picMkLst>
+            <pc:docMk/>
+            <pc:sldMk cId="749359698" sldId="260"/>
+            <ac:picMk id="5" creationId="{25BB1320-A29A-4657-B45D-0DF6BF81D13B}"/>
+          </ac:picMkLst>
+        </pc:picChg>
       </pc:sldChg>
       <pc:sldChg chg="modSp">
         <pc:chgData name="Shady Boukhary" userId="811e0ece2aa77533" providerId="LiveId" clId="{84F1D14C-976D-4B9F-8018-63174BB53F8E}" dt="2018-04-04T19:55:58.394" v="282" actId="20577"/>
@@ -1334,7 +1898,7 @@
           <pc:sldMk cId="3046821024" sldId="262"/>
         </pc:sldMkLst>
         <pc:spChg chg="mod">
-          <ac:chgData name="Shady Boukhary" userId="811e0ece2aa77533" providerId="LiveId" clId="{84F1D14C-976D-4B9F-8018-63174BB53F8E}" dt="2018-04-04T19:56:02.712" v="283"/>
+          <ac:chgData name="Shady Boukhary" userId="811e0ece2aa77533" providerId="LiveId" clId="{84F1D14C-976D-4B9F-8018-63174BB53F8E}" dt="2018-04-04T19:56:02.712" v="283" actId="113"/>
           <ac:spMkLst>
             <pc:docMk/>
             <pc:sldMk cId="3046821024" sldId="262"/>
@@ -1358,7 +1922,7 @@
           </ac:spMkLst>
         </pc:spChg>
         <pc:graphicFrameChg chg="add del mod">
-          <ac:chgData name="Shady Boukhary" userId="811e0ece2aa77533" providerId="LiveId" clId="{84F1D14C-976D-4B9F-8018-63174BB53F8E}" dt="2018-04-04T19:52:20.155" v="271"/>
+          <ac:chgData name="Shady Boukhary" userId="811e0ece2aa77533" providerId="LiveId" clId="{84F1D14C-976D-4B9F-8018-63174BB53F8E}" dt="2018-04-04T19:52:20.155" v="271" actId="113"/>
           <ac:graphicFrameMkLst>
             <pc:docMk/>
             <pc:sldMk cId="3046821024" sldId="262"/>
@@ -1382,13 +1946,13 @@
         </pc:spChg>
       </pc:sldChg>
       <pc:sldChg chg="modSp">
-        <pc:chgData name="Shady Boukhary" userId="811e0ece2aa77533" providerId="LiveId" clId="{84F1D14C-976D-4B9F-8018-63174BB53F8E}" dt="2018-04-04T19:14:09.860" v="20"/>
+        <pc:chgData name="Shady Boukhary" userId="811e0ece2aa77533" providerId="LiveId" clId="{84F1D14C-976D-4B9F-8018-63174BB53F8E}" dt="2018-04-04T23:53:52.149" v="537" actId="20577"/>
         <pc:sldMkLst>
           <pc:docMk/>
           <pc:sldMk cId="301354817" sldId="265"/>
         </pc:sldMkLst>
         <pc:spChg chg="mod">
-          <ac:chgData name="Shady Boukhary" userId="811e0ece2aa77533" providerId="LiveId" clId="{84F1D14C-976D-4B9F-8018-63174BB53F8E}" dt="2018-04-04T19:14:09.860" v="20"/>
+          <ac:chgData name="Shady Boukhary" userId="811e0ece2aa77533" providerId="LiveId" clId="{84F1D14C-976D-4B9F-8018-63174BB53F8E}" dt="2018-04-04T23:53:52.149" v="537" actId="20577"/>
           <ac:spMkLst>
             <pc:docMk/>
             <pc:sldMk cId="301354817" sldId="265"/>
@@ -1396,7 +1960,7 @@
           </ac:spMkLst>
         </pc:spChg>
         <pc:spChg chg="mod">
-          <ac:chgData name="Shady Boukhary" userId="811e0ece2aa77533" providerId="LiveId" clId="{84F1D14C-976D-4B9F-8018-63174BB53F8E}" dt="2018-04-04T19:14:09.860" v="20"/>
+          <ac:chgData name="Shady Boukhary" userId="811e0ece2aa77533" providerId="LiveId" clId="{84F1D14C-976D-4B9F-8018-63174BB53F8E}" dt="2018-04-04T19:14:09.860" v="20" actId="20577"/>
           <ac:spMkLst>
             <pc:docMk/>
             <pc:sldMk cId="301354817" sldId="265"/>
@@ -1405,13 +1969,13 @@
         </pc:spChg>
       </pc:sldChg>
       <pc:sldChg chg="addSp delSp modSp delDesignElem">
-        <pc:chgData name="Shady Boukhary" userId="811e0ece2aa77533" providerId="LiveId" clId="{84F1D14C-976D-4B9F-8018-63174BB53F8E}" dt="2018-04-04T19:56:44.788" v="340" actId="20577"/>
+        <pc:chgData name="Shady Boukhary" userId="811e0ece2aa77533" providerId="LiveId" clId="{84F1D14C-976D-4B9F-8018-63174BB53F8E}" dt="2018-04-04T23:54:06.233" v="567" actId="20577"/>
         <pc:sldMkLst>
           <pc:docMk/>
           <pc:sldMk cId="730474272" sldId="266"/>
         </pc:sldMkLst>
         <pc:spChg chg="mod">
-          <ac:chgData name="Shady Boukhary" userId="811e0ece2aa77533" providerId="LiveId" clId="{84F1D14C-976D-4B9F-8018-63174BB53F8E}" dt="2018-04-04T19:56:44.788" v="340" actId="20577"/>
+          <ac:chgData name="Shady Boukhary" userId="811e0ece2aa77533" providerId="LiveId" clId="{84F1D14C-976D-4B9F-8018-63174BB53F8E}" dt="2018-04-04T23:54:06.233" v="567" actId="20577"/>
           <ac:spMkLst>
             <pc:docMk/>
             <pc:sldMk cId="730474272" sldId="266"/>
@@ -1419,7 +1983,7 @@
           </ac:spMkLst>
         </pc:spChg>
         <pc:grpChg chg="add del">
-          <ac:chgData name="Shady Boukhary" userId="811e0ece2aa77533" providerId="LiveId" clId="{84F1D14C-976D-4B9F-8018-63174BB53F8E}" dt="2018-04-04T19:14:09.860" v="20"/>
+          <ac:chgData name="Shady Boukhary" userId="811e0ece2aa77533" providerId="LiveId" clId="{84F1D14C-976D-4B9F-8018-63174BB53F8E}" dt="2018-04-04T19:14:09.860" v="20" actId="20577"/>
           <ac:grpSpMkLst>
             <pc:docMk/>
             <pc:sldMk cId="730474272" sldId="266"/>
@@ -1442,7 +2006,7 @@
           </ac:spMkLst>
         </pc:spChg>
         <pc:spChg chg="add del mod">
-          <ac:chgData name="Shady Boukhary" userId="811e0ece2aa77533" providerId="LiveId" clId="{84F1D14C-976D-4B9F-8018-63174BB53F8E}" dt="2018-04-04T19:41:15.069" v="80"/>
+          <ac:chgData name="Shady Boukhary" userId="811e0ece2aa77533" providerId="LiveId" clId="{84F1D14C-976D-4B9F-8018-63174BB53F8E}" dt="2018-04-04T19:41:15.069" v="80" actId="20577"/>
           <ac:spMkLst>
             <pc:docMk/>
             <pc:sldMk cId="2817440245" sldId="267"/>
@@ -1450,7 +2014,7 @@
           </ac:spMkLst>
         </pc:spChg>
         <pc:spChg chg="add del mod">
-          <ac:chgData name="Shady Boukhary" userId="811e0ece2aa77533" providerId="LiveId" clId="{84F1D14C-976D-4B9F-8018-63174BB53F8E}" dt="2018-04-04T19:41:29.255" v="82"/>
+          <ac:chgData name="Shady Boukhary" userId="811e0ece2aa77533" providerId="LiveId" clId="{84F1D14C-976D-4B9F-8018-63174BB53F8E}" dt="2018-04-04T19:41:29.255" v="82" actId="20577"/>
           <ac:spMkLst>
             <pc:docMk/>
             <pc:sldMk cId="2817440245" sldId="267"/>
@@ -1474,7 +2038,7 @@
           </ac:spMkLst>
         </pc:spChg>
         <pc:graphicFrameChg chg="add del">
-          <ac:chgData name="Shady Boukhary" userId="811e0ece2aa77533" providerId="LiveId" clId="{84F1D14C-976D-4B9F-8018-63174BB53F8E}" dt="2018-04-04T19:38:03.582" v="53"/>
+          <ac:chgData name="Shady Boukhary" userId="811e0ece2aa77533" providerId="LiveId" clId="{84F1D14C-976D-4B9F-8018-63174BB53F8E}" dt="2018-04-04T19:38:03.582" v="53" actId="20577"/>
           <ac:graphicFrameMkLst>
             <pc:docMk/>
             <pc:sldMk cId="2817440245" sldId="267"/>
@@ -1489,6 +2053,45 @@
             <ac:graphicFrameMk id="9" creationId="{4433661B-73B0-4C44-82F0-204599117F0D}"/>
           </ac:graphicFrameMkLst>
         </pc:graphicFrameChg>
+      </pc:sldChg>
+      <pc:sldChg chg="addSp delSp modSp">
+        <pc:chgData name="Shady Boukhary" userId="811e0ece2aa77533" providerId="LiveId" clId="{84F1D14C-976D-4B9F-8018-63174BB53F8E}" dt="2018-04-04T23:53:46.065" v="536" actId="20577"/>
+        <pc:sldMkLst>
+          <pc:docMk/>
+          <pc:sldMk cId="1762732415" sldId="268"/>
+        </pc:sldMkLst>
+        <pc:spChg chg="mod">
+          <ac:chgData name="Shady Boukhary" userId="811e0ece2aa77533" providerId="LiveId" clId="{84F1D14C-976D-4B9F-8018-63174BB53F8E}" dt="2018-04-04T23:53:46.065" v="536" actId="20577"/>
+          <ac:spMkLst>
+            <pc:docMk/>
+            <pc:sldMk cId="1762732415" sldId="268"/>
+            <ac:spMk id="7" creationId="{679F1031-449A-41A0-8573-3737194C56F4}"/>
+          </ac:spMkLst>
+        </pc:spChg>
+        <pc:picChg chg="add mod">
+          <ac:chgData name="Shady Boukhary" userId="811e0ece2aa77533" providerId="LiveId" clId="{84F1D14C-976D-4B9F-8018-63174BB53F8E}" dt="2018-04-04T23:52:41.036" v="533" actId="1076"/>
+          <ac:picMkLst>
+            <pc:docMk/>
+            <pc:sldMk cId="1762732415" sldId="268"/>
+            <ac:picMk id="3" creationId="{F2CF2A2F-8081-48F0-AD34-DD6C7FB12A77}"/>
+          </ac:picMkLst>
+        </pc:picChg>
+        <pc:picChg chg="add del mod">
+          <ac:chgData name="Shady Boukhary" userId="811e0ece2aa77533" providerId="LiveId" clId="{84F1D14C-976D-4B9F-8018-63174BB53F8E}" dt="2018-04-04T23:52:09.467" v="527" actId="478"/>
+          <ac:picMkLst>
+            <pc:docMk/>
+            <pc:sldMk cId="1762732415" sldId="268"/>
+            <ac:picMk id="5" creationId="{7A3A4533-4D71-4CB4-9D8C-376410CEECD6}"/>
+          </ac:picMkLst>
+        </pc:picChg>
+        <pc:picChg chg="add mod">
+          <ac:chgData name="Shady Boukhary" userId="811e0ece2aa77533" providerId="LiveId" clId="{84F1D14C-976D-4B9F-8018-63174BB53F8E}" dt="2018-04-04T23:52:42.614" v="534" actId="1076"/>
+          <ac:picMkLst>
+            <pc:docMk/>
+            <pc:sldMk cId="1762732415" sldId="268"/>
+            <ac:picMk id="12" creationId="{6F9F9AFB-1CAE-4A9A-A0FC-8E2393316709}"/>
+          </ac:picMkLst>
+        </pc:picChg>
       </pc:sldChg>
       <pc:sldChg chg="addSp delSp modSp mod setBg">
         <pc:chgData name="Shady Boukhary" userId="811e0ece2aa77533" providerId="LiveId" clId="{84F1D14C-976D-4B9F-8018-63174BB53F8E}" dt="2018-04-04T19:14:41.610" v="24" actId="14100"/>
@@ -1665,7 +2268,7 @@
         </pc:graphicFrameChg>
       </pc:sldChg>
       <pc:sldChg chg="addSp delSp modSp mod setBg">
-        <pc:chgData name="Shady Boukhary" userId="811e0ece2aa77533" providerId="LiveId" clId="{84F1D14C-976D-4B9F-8018-63174BB53F8E}" dt="2018-04-04T20:17:19.042" v="404"/>
+        <pc:chgData name="Shady Boukhary" userId="811e0ece2aa77533" providerId="LiveId" clId="{84F1D14C-976D-4B9F-8018-63174BB53F8E}" dt="2018-04-04T20:17:19.042" v="404" actId="20577"/>
         <pc:sldMkLst>
           <pc:docMk/>
           <pc:sldMk cId="3707581908" sldId="271"/>
@@ -1735,7 +2338,7 @@
           </ac:grpSpMkLst>
         </pc:grpChg>
         <pc:graphicFrameChg chg="add mod">
-          <ac:chgData name="Shady Boukhary" userId="811e0ece2aa77533" providerId="LiveId" clId="{84F1D14C-976D-4B9F-8018-63174BB53F8E}" dt="2018-04-04T20:17:19.042" v="404"/>
+          <ac:chgData name="Shady Boukhary" userId="811e0ece2aa77533" providerId="LiveId" clId="{84F1D14C-976D-4B9F-8018-63174BB53F8E}" dt="2018-04-04T20:17:19.042" v="404" actId="20577"/>
           <ac:graphicFrameMkLst>
             <pc:docMk/>
             <pc:sldMk cId="3707581908" sldId="271"/>
@@ -1766,7 +2369,7 @@
           </ac:spMkLst>
         </pc:spChg>
         <pc:graphicFrameChg chg="add del mod modGraphic">
-          <ac:chgData name="Shady Boukhary" userId="811e0ece2aa77533" providerId="LiveId" clId="{84F1D14C-976D-4B9F-8018-63174BB53F8E}" dt="2018-04-04T20:07:08.875" v="350"/>
+          <ac:chgData name="Shady Boukhary" userId="811e0ece2aa77533" providerId="LiveId" clId="{84F1D14C-976D-4B9F-8018-63174BB53F8E}" dt="2018-04-04T20:07:08.875" v="350" actId="14734"/>
           <ac:graphicFrameMkLst>
             <pc:docMk/>
             <pc:sldMk cId="3012695307" sldId="273"/>
@@ -1878,7 +2481,7 @@
         </pc:graphicFrameChg>
       </pc:sldChg>
       <pc:sldChg chg="addSp delSp modSp mod setBg">
-        <pc:chgData name="Shady Boukhary" userId="811e0ece2aa77533" providerId="LiveId" clId="{84F1D14C-976D-4B9F-8018-63174BB53F8E}" dt="2018-04-04T20:18:14.575" v="412"/>
+        <pc:chgData name="Shady Boukhary" userId="811e0ece2aa77533" providerId="LiveId" clId="{84F1D14C-976D-4B9F-8018-63174BB53F8E}" dt="2018-04-04T20:18:14.575" v="412" actId="20577"/>
         <pc:sldMkLst>
           <pc:docMk/>
           <pc:sldMk cId="3018725344" sldId="275"/>
@@ -1940,7 +2543,7 @@
           </ac:grpSpMkLst>
         </pc:grpChg>
         <pc:graphicFrameChg chg="add mod">
-          <ac:chgData name="Shady Boukhary" userId="811e0ece2aa77533" providerId="LiveId" clId="{84F1D14C-976D-4B9F-8018-63174BB53F8E}" dt="2018-04-04T20:18:14.575" v="412"/>
+          <ac:chgData name="Shady Boukhary" userId="811e0ece2aa77533" providerId="LiveId" clId="{84F1D14C-976D-4B9F-8018-63174BB53F8E}" dt="2018-04-04T20:18:14.575" v="412" actId="20577"/>
           <ac:graphicFrameMkLst>
             <pc:docMk/>
             <pc:sldMk cId="3018725344" sldId="275"/>
@@ -2036,13 +2639,13 @@
         </pc:graphicFrameChg>
       </pc:sldChg>
       <pc:sldChg chg="modSp">
-        <pc:chgData name="Shady Boukhary" userId="811e0ece2aa77533" providerId="LiveId" clId="{84F1D14C-976D-4B9F-8018-63174BB53F8E}" dt="2018-04-04T19:14:09.860" v="20"/>
+        <pc:chgData name="Shady Boukhary" userId="811e0ece2aa77533" providerId="LiveId" clId="{84F1D14C-976D-4B9F-8018-63174BB53F8E}" dt="2018-04-04T19:14:09.860" v="20" actId="20577"/>
         <pc:sldMkLst>
           <pc:docMk/>
           <pc:sldMk cId="2789062510" sldId="277"/>
         </pc:sldMkLst>
         <pc:spChg chg="mod">
-          <ac:chgData name="Shady Boukhary" userId="811e0ece2aa77533" providerId="LiveId" clId="{84F1D14C-976D-4B9F-8018-63174BB53F8E}" dt="2018-04-04T19:14:09.860" v="20"/>
+          <ac:chgData name="Shady Boukhary" userId="811e0ece2aa77533" providerId="LiveId" clId="{84F1D14C-976D-4B9F-8018-63174BB53F8E}" dt="2018-04-04T19:14:09.860" v="20" actId="20577"/>
           <ac:spMkLst>
             <pc:docMk/>
             <pc:sldMk cId="2789062510" sldId="277"/>
@@ -2051,13 +2654,13 @@
         </pc:spChg>
       </pc:sldChg>
       <pc:sldChg chg="modSp">
-        <pc:chgData name="Shady Boukhary" userId="811e0ece2aa77533" providerId="LiveId" clId="{84F1D14C-976D-4B9F-8018-63174BB53F8E}" dt="2018-04-04T19:14:09.860" v="20"/>
+        <pc:chgData name="Shady Boukhary" userId="811e0ece2aa77533" providerId="LiveId" clId="{84F1D14C-976D-4B9F-8018-63174BB53F8E}" dt="2018-04-04T19:14:09.860" v="20" actId="20577"/>
         <pc:sldMkLst>
           <pc:docMk/>
           <pc:sldMk cId="3299977437" sldId="278"/>
         </pc:sldMkLst>
         <pc:spChg chg="mod">
-          <ac:chgData name="Shady Boukhary" userId="811e0ece2aa77533" providerId="LiveId" clId="{84F1D14C-976D-4B9F-8018-63174BB53F8E}" dt="2018-04-04T19:14:09.860" v="20"/>
+          <ac:chgData name="Shady Boukhary" userId="811e0ece2aa77533" providerId="LiveId" clId="{84F1D14C-976D-4B9F-8018-63174BB53F8E}" dt="2018-04-04T19:14:09.860" v="20" actId="20577"/>
           <ac:spMkLst>
             <pc:docMk/>
             <pc:sldMk cId="3299977437" sldId="278"/>
@@ -15415,7 +16018,7 @@
       </p:grpSpPr>
       <p:sp useBgFill="1">
         <p:nvSpPr>
-          <p:cNvPr id="37" name="Rectangle 36">
+          <p:cNvPr id="109" name="Rectangle 59">
             <a:extLst>
               <a:ext uri="{FF2B5EF4-FFF2-40B4-BE49-F238E27FC236}">
                 <a16:creationId xmlns:a16="http://schemas.microsoft.com/office/drawing/2014/main" id="{9179DE42-5613-4B35-A1E6-6CCBAA13C743}"/>
@@ -15472,7 +16075,7 @@
       </p:sp>
       <p:cxnSp>
         <p:nvCxnSpPr>
-          <p:cNvPr id="39" name="Straight Connector 38">
+          <p:cNvPr id="110" name="Straight Connector 61">
             <a:extLst>
               <a:ext uri="{FF2B5EF4-FFF2-40B4-BE49-F238E27FC236}">
                 <a16:creationId xmlns:a16="http://schemas.microsoft.com/office/drawing/2014/main" id="{EB898B32-3891-4C3A-8F58-C5969D2E9033}"/>
@@ -15523,7 +16126,7 @@
       </p:cxnSp>
       <p:cxnSp>
         <p:nvCxnSpPr>
-          <p:cNvPr id="41" name="Straight Connector 40">
+          <p:cNvPr id="111" name="Straight Connector 63">
             <a:extLst>
               <a:ext uri="{FF2B5EF4-FFF2-40B4-BE49-F238E27FC236}">
                 <a16:creationId xmlns:a16="http://schemas.microsoft.com/office/drawing/2014/main" id="{4AE4806D-B8F9-4679-A68A-9BD21C01A301}"/>
@@ -15576,7 +16179,7 @@
       </p:cxnSp>
       <p:sp>
         <p:nvSpPr>
-          <p:cNvPr id="43" name="Rectangle 23">
+          <p:cNvPr id="112" name="Rectangle 23">
             <a:extLst>
               <a:ext uri="{FF2B5EF4-FFF2-40B4-BE49-F238E27FC236}">
                 <a16:creationId xmlns:a16="http://schemas.microsoft.com/office/drawing/2014/main" id="{52FB45E9-914E-4471-AC87-E475CD51767D}"/>
@@ -15653,7 +16256,7 @@
       </p:sp>
       <p:sp>
         <p:nvSpPr>
-          <p:cNvPr id="45" name="Rectangle 25">
+          <p:cNvPr id="113" name="Rectangle 25">
             <a:extLst>
               <a:ext uri="{FF2B5EF4-FFF2-40B4-BE49-F238E27FC236}">
                 <a16:creationId xmlns:a16="http://schemas.microsoft.com/office/drawing/2014/main" id="{C310626D-5743-49D4-8F7D-88C4F8F05774}"/>
@@ -15730,7 +16333,7 @@
       </p:sp>
       <p:sp>
         <p:nvSpPr>
-          <p:cNvPr id="47" name="Isosceles Triangle 46">
+          <p:cNvPr id="114" name="Isosceles Triangle 69">
             <a:extLst>
               <a:ext uri="{FF2B5EF4-FFF2-40B4-BE49-F238E27FC236}">
                 <a16:creationId xmlns:a16="http://schemas.microsoft.com/office/drawing/2014/main" id="{3C195FC1-B568-4C72-9902-34CB35DDD7A1}"/>
@@ -15785,7 +16388,7 @@
       </p:sp>
       <p:sp>
         <p:nvSpPr>
-          <p:cNvPr id="49" name="Rectangle 27">
+          <p:cNvPr id="115" name="Rectangle 27">
             <a:extLst>
               <a:ext uri="{FF2B5EF4-FFF2-40B4-BE49-F238E27FC236}">
                 <a16:creationId xmlns:a16="http://schemas.microsoft.com/office/drawing/2014/main" id="{EF2BDF77-362C-43F0-8CBB-A969EC2AE0C4}"/>
@@ -15863,7 +16466,7 @@
       </p:sp>
       <p:sp>
         <p:nvSpPr>
-          <p:cNvPr id="51" name="Isosceles Triangle 50">
+          <p:cNvPr id="74" name="Isosceles Triangle 73">
             <a:extLst>
               <a:ext uri="{FF2B5EF4-FFF2-40B4-BE49-F238E27FC236}">
                 <a16:creationId xmlns:a16="http://schemas.microsoft.com/office/drawing/2014/main" id="{4BE96B01-3929-432D-B8C2-ADBCB74C2EF4}"/>
@@ -15918,7 +16521,7 @@
       </p:sp>
       <p:sp>
         <p:nvSpPr>
-          <p:cNvPr id="53" name="Freeform: Shape 52">
+          <p:cNvPr id="76" name="Freeform: Shape 75">
             <a:extLst>
               <a:ext uri="{FF2B5EF4-FFF2-40B4-BE49-F238E27FC236}">
                 <a16:creationId xmlns:a16="http://schemas.microsoft.com/office/drawing/2014/main" id="{2A6FCDE6-CDE2-4C51-B18E-A95CFB679714}"/>
@@ -16045,7 +16648,7 @@
       </p:sp>
       <p:sp>
         <p:nvSpPr>
-          <p:cNvPr id="55" name="Isosceles Triangle 54">
+          <p:cNvPr id="116" name="Isosceles Triangle 77">
             <a:extLst>
               <a:ext uri="{FF2B5EF4-FFF2-40B4-BE49-F238E27FC236}">
                 <a16:creationId xmlns:a16="http://schemas.microsoft.com/office/drawing/2014/main" id="{9D2E8756-2465-473A-BA2A-2DB1D6224745}"/>
@@ -16121,8 +16724,8 @@
         </p:nvSpPr>
         <p:spPr>
           <a:xfrm>
-            <a:off x="3639846" y="1020871"/>
-            <a:ext cx="7740050" cy="2849671"/>
+            <a:off x="4419136" y="1020871"/>
+            <a:ext cx="6960759" cy="2849671"/>
           </a:xfrm>
         </p:spPr>
         <p:txBody>
@@ -16131,9 +16734,13 @@
           </a:bodyPr>
           <a:lstStyle/>
           <a:p>
-            <a:pPr algn="l"/>
+            <a:pPr algn="l">
+              <a:lnSpc>
+                <a:spcPct val="90000"/>
+              </a:lnSpc>
+            </a:pPr>
             <a:r>
-              <a:rPr lang="en-US" sz="4000" dirty="0">
+              <a:rPr lang="en-US" sz="3800">
                 <a:solidFill>
                   <a:srgbClr val="FFFFFF"/>
                 </a:solidFill>
@@ -16173,7 +16780,7 @@
           <a:p>
             <a:pPr algn="l"/>
             <a:r>
-              <a:rPr lang="en-US" dirty="0">
+              <a:rPr lang="en-US">
                 <a:solidFill>
                   <a:srgbClr val="FFFFFF">
                     <a:alpha val="70000"/>
@@ -16182,6 +16789,13 @@
               </a:rPr>
               <a:t>Shady Boukhary</a:t>
             </a:r>
+            <a:endParaRPr lang="en-US" dirty="0">
+              <a:solidFill>
+                <a:srgbClr val="FFFFFF">
+                  <a:alpha val="70000"/>
+                </a:srgbClr>
+              </a:solidFill>
+            </a:endParaRPr>
           </a:p>
         </p:txBody>
       </p:sp>
@@ -17251,6 +17865,18 @@
               <a:t>Grid divided into Blocks divided into Threads</a:t>
             </a:r>
           </a:p>
+          <a:p>
+            <a:r>
+              <a:rPr lang="en-US" dirty="0"/>
+              <a:t>Global Memory</a:t>
+            </a:r>
+          </a:p>
+          <a:p>
+            <a:r>
+              <a:rPr lang="en-US" dirty="0"/>
+              <a:t>Shared Memory</a:t>
+            </a:r>
+          </a:p>
         </p:txBody>
       </p:sp>
     </p:spTree>
@@ -17398,7 +18024,7 @@
           <a:p>
             <a:r>
               <a:rPr lang="en-US" dirty="0"/>
-              <a:t>Can used shared memory</a:t>
+              <a:t>Can use shared memory</a:t>
             </a:r>
           </a:p>
         </p:txBody>
@@ -17542,7 +18168,7 @@
           <a:p>
             <a:r>
               <a:rPr lang="en-US" dirty="0"/>
-              <a:t>Tests run on</a:t>
+              <a:t>Tests ran on</a:t>
             </a:r>
           </a:p>
         </p:txBody>
@@ -17722,6 +18348,78 @@
           </a:p>
         </p:txBody>
       </p:sp>
+      <p:pic>
+        <p:nvPicPr>
+          <p:cNvPr id="3" name="Picture 2">
+            <a:extLst>
+              <a:ext uri="{FF2B5EF4-FFF2-40B4-BE49-F238E27FC236}">
+                <a16:creationId xmlns:a16="http://schemas.microsoft.com/office/drawing/2014/main" id="{F2CF2A2F-8081-48F0-AD34-DD6C7FB12A77}"/>
+              </a:ext>
+            </a:extLst>
+          </p:cNvPr>
+          <p:cNvPicPr>
+            <a:picLocks noChangeAspect="1"/>
+          </p:cNvPicPr>
+          <p:nvPr/>
+        </p:nvPicPr>
+        <p:blipFill>
+          <a:blip r:embed="rId2">
+            <a:extLst>
+              <a:ext uri="{28A0092B-C50C-407E-A947-70E740481C1C}">
+                <a14:useLocalDpi xmlns:a14="http://schemas.microsoft.com/office/drawing/2010/main" val="0"/>
+              </a:ext>
+            </a:extLst>
+          </a:blip>
+          <a:stretch>
+            <a:fillRect/>
+          </a:stretch>
+        </p:blipFill>
+        <p:spPr>
+          <a:xfrm>
+            <a:off x="5615377" y="5078096"/>
+            <a:ext cx="1560406" cy="1170304"/>
+          </a:xfrm>
+          <a:prstGeom prst="rect">
+            <a:avLst/>
+          </a:prstGeom>
+        </p:spPr>
+      </p:pic>
+      <p:pic>
+        <p:nvPicPr>
+          <p:cNvPr id="12" name="Picture 11" descr="A circuit board&#10;&#10;Description generated with very high confidence">
+            <a:extLst>
+              <a:ext uri="{FF2B5EF4-FFF2-40B4-BE49-F238E27FC236}">
+                <a16:creationId xmlns:a16="http://schemas.microsoft.com/office/drawing/2014/main" id="{6F9F9AFB-1CAE-4A9A-A0FC-8E2393316709}"/>
+              </a:ext>
+            </a:extLst>
+          </p:cNvPr>
+          <p:cNvPicPr>
+            <a:picLocks noChangeAspect="1"/>
+          </p:cNvPicPr>
+          <p:nvPr/>
+        </p:nvPicPr>
+        <p:blipFill>
+          <a:blip r:embed="rId3">
+            <a:extLst>
+              <a:ext uri="{28A0092B-C50C-407E-A947-70E740481C1C}">
+                <a14:useLocalDpi xmlns:a14="http://schemas.microsoft.com/office/drawing/2010/main" val="0"/>
+              </a:ext>
+            </a:extLst>
+          </a:blip>
+          <a:stretch>
+            <a:fillRect/>
+          </a:stretch>
+        </p:blipFill>
+        <p:spPr>
+          <a:xfrm>
+            <a:off x="1429754" y="4760155"/>
+            <a:ext cx="1488245" cy="1488245"/>
+          </a:xfrm>
+          <a:prstGeom prst="rect">
+            <a:avLst/>
+          </a:prstGeom>
+        </p:spPr>
+      </p:pic>
     </p:spTree>
     <p:extLst>
       <p:ext uri="{BB962C8B-B14F-4D97-AF65-F5344CB8AC3E}">
@@ -34671,6 +35369,14 @@
 <file path=ppt/slides/slide3.xml><?xml version="1.0" encoding="utf-8"?>
 <p:sld xmlns:a="http://schemas.openxmlformats.org/drawingml/2006/main" xmlns:r="http://schemas.openxmlformats.org/officeDocument/2006/relationships" xmlns:p="http://schemas.openxmlformats.org/presentationml/2006/main">
   <p:cSld>
+    <p:bg>
+      <p:bgPr>
+        <a:solidFill>
+          <a:schemeClr val="bg1"/>
+        </a:solidFill>
+        <a:effectLst/>
+      </p:bgPr>
+    </p:bg>
     <p:spTree>
       <p:nvGrpSpPr>
         <p:cNvPr id="1" name=""/>
@@ -34685,6 +35391,290 @@
           <a:chExt cx="0" cy="0"/>
         </a:xfrm>
       </p:grpSpPr>
+      <p:pic>
+        <p:nvPicPr>
+          <p:cNvPr id="5" name="Picture 4" descr="A circuit board&#10;&#10;Description generated with very high confidence">
+            <a:extLst>
+              <a:ext uri="{FF2B5EF4-FFF2-40B4-BE49-F238E27FC236}">
+                <a16:creationId xmlns:a16="http://schemas.microsoft.com/office/drawing/2014/main" id="{9268CE11-710E-4746-A86B-C6E6DB68A750}"/>
+              </a:ext>
+            </a:extLst>
+          </p:cNvPr>
+          <p:cNvPicPr>
+            <a:picLocks noChangeAspect="1"/>
+          </p:cNvPicPr>
+          <p:nvPr/>
+        </p:nvPicPr>
+        <p:blipFill rotWithShape="1">
+          <a:blip r:embed="rId2">
+            <a:extLst>
+              <a:ext uri="{28A0092B-C50C-407E-A947-70E740481C1C}">
+                <a14:useLocalDpi xmlns:a14="http://schemas.microsoft.com/office/drawing/2010/main" val="0"/>
+              </a:ext>
+            </a:extLst>
+          </a:blip>
+          <a:srcRect l="18616" r="6723"/>
+          <a:stretch/>
+        </p:blipFill>
+        <p:spPr>
+          <a:xfrm>
+            <a:off x="322048" y="-1"/>
+            <a:ext cx="4551305" cy="3429000"/>
+          </a:xfrm>
+          <a:custGeom>
+            <a:avLst/>
+            <a:gdLst>
+              <a:gd name="connsiteX0" fmla="*/ 509916 w 4551305"/>
+              <a:gd name="connsiteY0" fmla="*/ 0 h 3429000"/>
+              <a:gd name="connsiteX1" fmla="*/ 4551305 w 4551305"/>
+              <a:gd name="connsiteY1" fmla="*/ 0 h 3429000"/>
+              <a:gd name="connsiteX2" fmla="*/ 4551305 w 4551305"/>
+              <a:gd name="connsiteY2" fmla="*/ 1 h 3429000"/>
+              <a:gd name="connsiteX3" fmla="*/ 3693885 w 4551305"/>
+              <a:gd name="connsiteY3" fmla="*/ 1 h 3429000"/>
+              <a:gd name="connsiteX4" fmla="*/ 3181696 w 4551305"/>
+              <a:gd name="connsiteY4" fmla="*/ 3429000 h 3429000"/>
+              <a:gd name="connsiteX5" fmla="*/ 0 w 4551305"/>
+              <a:gd name="connsiteY5" fmla="*/ 3429000 h 3429000"/>
+            </a:gdLst>
+            <a:ahLst/>
+            <a:cxnLst>
+              <a:cxn ang="0">
+                <a:pos x="connsiteX0" y="connsiteY0"/>
+              </a:cxn>
+              <a:cxn ang="0">
+                <a:pos x="connsiteX1" y="connsiteY1"/>
+              </a:cxn>
+              <a:cxn ang="0">
+                <a:pos x="connsiteX2" y="connsiteY2"/>
+              </a:cxn>
+              <a:cxn ang="0">
+                <a:pos x="connsiteX3" y="connsiteY3"/>
+              </a:cxn>
+              <a:cxn ang="0">
+                <a:pos x="connsiteX4" y="connsiteY4"/>
+              </a:cxn>
+              <a:cxn ang="0">
+                <a:pos x="connsiteX5" y="connsiteY5"/>
+              </a:cxn>
+            </a:cxnLst>
+            <a:rect l="l" t="t" r="r" b="b"/>
+            <a:pathLst>
+              <a:path w="4551305" h="3429000">
+                <a:moveTo>
+                  <a:pt x="509916" y="0"/>
+                </a:moveTo>
+                <a:lnTo>
+                  <a:pt x="4551305" y="0"/>
+                </a:lnTo>
+                <a:lnTo>
+                  <a:pt x="4551305" y="1"/>
+                </a:lnTo>
+                <a:lnTo>
+                  <a:pt x="3693885" y="1"/>
+                </a:lnTo>
+                <a:lnTo>
+                  <a:pt x="3181696" y="3429000"/>
+                </a:lnTo>
+                <a:lnTo>
+                  <a:pt x="0" y="3429000"/>
+                </a:lnTo>
+                <a:close/>
+              </a:path>
+            </a:pathLst>
+          </a:custGeom>
+        </p:spPr>
+      </p:pic>
+      <p:pic>
+        <p:nvPicPr>
+          <p:cNvPr id="7" name="Picture 6" descr="A circuit board&#10;&#10;Description generated with very high confidence">
+            <a:extLst>
+              <a:ext uri="{FF2B5EF4-FFF2-40B4-BE49-F238E27FC236}">
+                <a16:creationId xmlns:a16="http://schemas.microsoft.com/office/drawing/2014/main" id="{EE113E81-87F0-4D32-8685-5C446B1A23BB}"/>
+              </a:ext>
+            </a:extLst>
+          </p:cNvPr>
+          <p:cNvPicPr>
+            <a:picLocks noChangeAspect="1"/>
+          </p:cNvPicPr>
+          <p:nvPr/>
+        </p:nvPicPr>
+        <p:blipFill rotWithShape="1">
+          <a:blip r:embed="rId3">
+            <a:extLst>
+              <a:ext uri="{28A0092B-C50C-407E-A947-70E740481C1C}">
+                <a14:useLocalDpi xmlns:a14="http://schemas.microsoft.com/office/drawing/2010/main" val="0"/>
+              </a:ext>
+            </a:extLst>
+          </a:blip>
+          <a:srcRect l="9423" r="10683" b="-1"/>
+          <a:stretch/>
+        </p:blipFill>
+        <p:spPr>
+          <a:xfrm>
+            <a:off x="-10633" y="3428999"/>
+            <a:ext cx="3514376" cy="3429001"/>
+          </a:xfrm>
+          <a:custGeom>
+            <a:avLst/>
+            <a:gdLst>
+              <a:gd name="connsiteX0" fmla="*/ 332680 w 3514376"/>
+              <a:gd name="connsiteY0" fmla="*/ 0 h 3429001"/>
+              <a:gd name="connsiteX1" fmla="*/ 3514376 w 3514376"/>
+              <a:gd name="connsiteY1" fmla="*/ 0 h 3429001"/>
+              <a:gd name="connsiteX2" fmla="*/ 3002186 w 3514376"/>
+              <a:gd name="connsiteY2" fmla="*/ 3429001 h 3429001"/>
+              <a:gd name="connsiteX3" fmla="*/ 0 w 3514376"/>
+              <a:gd name="connsiteY3" fmla="*/ 3429001 h 3429001"/>
+              <a:gd name="connsiteX4" fmla="*/ 0 w 3514376"/>
+              <a:gd name="connsiteY4" fmla="*/ 2237155 h 3429001"/>
+            </a:gdLst>
+            <a:ahLst/>
+            <a:cxnLst>
+              <a:cxn ang="0">
+                <a:pos x="connsiteX0" y="connsiteY0"/>
+              </a:cxn>
+              <a:cxn ang="0">
+                <a:pos x="connsiteX1" y="connsiteY1"/>
+              </a:cxn>
+              <a:cxn ang="0">
+                <a:pos x="connsiteX2" y="connsiteY2"/>
+              </a:cxn>
+              <a:cxn ang="0">
+                <a:pos x="connsiteX3" y="connsiteY3"/>
+              </a:cxn>
+              <a:cxn ang="0">
+                <a:pos x="connsiteX4" y="connsiteY4"/>
+              </a:cxn>
+            </a:cxnLst>
+            <a:rect l="l" t="t" r="r" b="b"/>
+            <a:pathLst>
+              <a:path w="3514376" h="3429001">
+                <a:moveTo>
+                  <a:pt x="332680" y="0"/>
+                </a:moveTo>
+                <a:lnTo>
+                  <a:pt x="3514376" y="0"/>
+                </a:lnTo>
+                <a:lnTo>
+                  <a:pt x="3002186" y="3429001"/>
+                </a:lnTo>
+                <a:lnTo>
+                  <a:pt x="0" y="3429001"/>
+                </a:lnTo>
+                <a:lnTo>
+                  <a:pt x="0" y="2237155"/>
+                </a:lnTo>
+                <a:close/>
+              </a:path>
+            </a:pathLst>
+          </a:custGeom>
+        </p:spPr>
+      </p:pic>
+      <p:cxnSp>
+        <p:nvCxnSpPr>
+          <p:cNvPr id="19" name="Straight Connector 11">
+            <a:extLst>
+              <a:ext uri="{FF2B5EF4-FFF2-40B4-BE49-F238E27FC236}">
+                <a16:creationId xmlns:a16="http://schemas.microsoft.com/office/drawing/2014/main" id="{B31FD3CE-CE0A-4FD9-967C-4D340CA3788F}"/>
+              </a:ext>
+            </a:extLst>
+          </p:cNvPr>
+          <p:cNvCxnSpPr>
+            <a:cxnSpLocks noGrp="1" noRot="1" noChangeAspect="1" noMove="1" noResize="1" noEditPoints="1" noAdjustHandles="1" noChangeArrowheads="1" noChangeShapeType="1"/>
+          </p:cNvCxnSpPr>
+          <p:nvPr>
+            <p:extLst>
+              <p:ext uri="{386F3935-93C4-4BCD-93E2-E3B085C9AB24}">
+                <p16:designElem xmlns:p16="http://schemas.microsoft.com/office/powerpoint/2015/main" val="1"/>
+              </p:ext>
+            </p:extLst>
+          </p:nvPr>
+        </p:nvCxnSpPr>
+        <p:spPr>
+          <a:xfrm>
+            <a:off x="332012" y="3422860"/>
+            <a:ext cx="3251160" cy="0"/>
+          </a:xfrm>
+          <a:prstGeom prst="line">
+            <a:avLst/>
+          </a:prstGeom>
+          <a:ln>
+            <a:solidFill>
+              <a:schemeClr val="bg1"/>
+            </a:solidFill>
+          </a:ln>
+        </p:spPr>
+        <p:style>
+          <a:lnRef idx="1">
+            <a:schemeClr val="accent1"/>
+          </a:lnRef>
+          <a:fillRef idx="0">
+            <a:schemeClr val="accent1"/>
+          </a:fillRef>
+          <a:effectRef idx="0">
+            <a:schemeClr val="accent1"/>
+          </a:effectRef>
+          <a:fontRef idx="minor">
+            <a:schemeClr val="tx1"/>
+          </a:fontRef>
+        </p:style>
+      </p:cxnSp>
+      <p:sp>
+        <p:nvSpPr>
+          <p:cNvPr id="20" name="Isosceles Triangle 30">
+            <a:extLst>
+              <a:ext uri="{FF2B5EF4-FFF2-40B4-BE49-F238E27FC236}">
+                <a16:creationId xmlns:a16="http://schemas.microsoft.com/office/drawing/2014/main" id="{0663EB55-934F-42EF-80DE-098647DE7A01}"/>
+              </a:ext>
+            </a:extLst>
+          </p:cNvPr>
+          <p:cNvSpPr>
+            <a:spLocks noGrp="1" noRot="1" noChangeAspect="1" noMove="1" noResize="1" noEditPoints="1" noAdjustHandles="1" noChangeArrowheads="1" noChangeShapeType="1" noTextEdit="1"/>
+          </p:cNvSpPr>
+          <p:nvPr>
+            <p:extLst>
+              <p:ext uri="{386F3935-93C4-4BCD-93E2-E3B085C9AB24}">
+                <p16:designElem xmlns:p16="http://schemas.microsoft.com/office/powerpoint/2015/main" val="1"/>
+              </p:ext>
+            </p:extLst>
+          </p:nvPr>
+        </p:nvSpPr>
+        <p:spPr>
+          <a:xfrm rot="10800000">
+            <a:off x="0" y="0"/>
+            <a:ext cx="842596" cy="5666154"/>
+          </a:xfrm>
+          <a:prstGeom prst="triangle">
+            <a:avLst>
+              <a:gd name="adj" fmla="val 100000"/>
+            </a:avLst>
+          </a:prstGeom>
+          <a:solidFill>
+            <a:schemeClr val="accent1">
+              <a:alpha val="85000"/>
+            </a:schemeClr>
+          </a:solidFill>
+          <a:ln>
+            <a:noFill/>
+          </a:ln>
+          <a:effectLst/>
+        </p:spPr>
+        <p:style>
+          <a:lnRef idx="1">
+            <a:schemeClr val="accent1"/>
+          </a:lnRef>
+          <a:fillRef idx="3">
+            <a:schemeClr val="accent1"/>
+          </a:fillRef>
+          <a:effectRef idx="2">
+            <a:schemeClr val="accent1"/>
+          </a:effectRef>
+          <a:fontRef idx="minor">
+            <a:schemeClr val="lt1"/>
+          </a:fontRef>
+        </p:style>
+      </p:sp>
       <p:sp>
         <p:nvSpPr>
           <p:cNvPr id="2" name="Title 1">
@@ -34701,9 +35691,16 @@
             <p:ph type="title"/>
           </p:nvPr>
         </p:nvSpPr>
-        <p:spPr/>
+        <p:spPr>
+          <a:xfrm>
+            <a:off x="4159225" y="609600"/>
+            <a:ext cx="5114776" cy="1320800"/>
+          </a:xfrm>
+        </p:spPr>
         <p:txBody>
-          <a:bodyPr/>
+          <a:bodyPr>
+            <a:normAutofit/>
+          </a:bodyPr>
           <a:lstStyle/>
           <a:p>
             <a:r>
@@ -34729,9 +35726,16 @@
             <p:ph idx="1"/>
           </p:nvPr>
         </p:nvSpPr>
-        <p:spPr/>
+        <p:spPr>
+          <a:xfrm>
+            <a:off x="4159225" y="2160589"/>
+            <a:ext cx="5114776" cy="3880773"/>
+          </a:xfrm>
+        </p:spPr>
         <p:txBody>
-          <a:bodyPr/>
+          <a:bodyPr>
+            <a:normAutofit/>
+          </a:bodyPr>
           <a:lstStyle/>
           <a:p>
             <a:r>
@@ -34781,6 +35785,14 @@
 <file path=ppt/slides/slide4.xml><?xml version="1.0" encoding="utf-8"?>
 <p:sld xmlns:a="http://schemas.openxmlformats.org/drawingml/2006/main" xmlns:r="http://schemas.openxmlformats.org/officeDocument/2006/relationships" xmlns:p="http://schemas.openxmlformats.org/presentationml/2006/main">
   <p:cSld>
+    <p:bg>
+      <p:bgPr>
+        <a:solidFill>
+          <a:schemeClr val="bg1"/>
+        </a:solidFill>
+        <a:effectLst/>
+      </p:bgPr>
+    </p:bg>
     <p:spTree>
       <p:nvGrpSpPr>
         <p:cNvPr id="1" name=""/>
@@ -34795,6 +35807,290 @@
           <a:chExt cx="0" cy="0"/>
         </a:xfrm>
       </p:grpSpPr>
+      <p:pic>
+        <p:nvPicPr>
+          <p:cNvPr id="9" name="Picture 8" descr="A close up of electronics&#10;&#10;Description generated with high confidence">
+            <a:extLst>
+              <a:ext uri="{FF2B5EF4-FFF2-40B4-BE49-F238E27FC236}">
+                <a16:creationId xmlns:a16="http://schemas.microsoft.com/office/drawing/2014/main" id="{437D80BE-D7BB-40C9-8A62-F68AAA7F2CB4}"/>
+              </a:ext>
+            </a:extLst>
+          </p:cNvPr>
+          <p:cNvPicPr>
+            <a:picLocks noChangeAspect="1"/>
+          </p:cNvPicPr>
+          <p:nvPr/>
+        </p:nvPicPr>
+        <p:blipFill rotWithShape="1">
+          <a:blip r:embed="rId2">
+            <a:extLst>
+              <a:ext uri="{28A0092B-C50C-407E-A947-70E740481C1C}">
+                <a14:useLocalDpi xmlns:a14="http://schemas.microsoft.com/office/drawing/2010/main" val="0"/>
+              </a:ext>
+            </a:extLst>
+          </a:blip>
+          <a:srcRect l="2299" r="15197" b="-1"/>
+          <a:stretch/>
+        </p:blipFill>
+        <p:spPr>
+          <a:xfrm>
+            <a:off x="20" y="4235547"/>
+            <a:ext cx="3393882" cy="2622453"/>
+          </a:xfrm>
+          <a:custGeom>
+            <a:avLst/>
+            <a:gdLst>
+              <a:gd name="connsiteX0" fmla="*/ 212741 w 3393902"/>
+              <a:gd name="connsiteY0" fmla="*/ 0 h 2622453"/>
+              <a:gd name="connsiteX1" fmla="*/ 3393902 w 3393902"/>
+              <a:gd name="connsiteY1" fmla="*/ 0 h 2622453"/>
+              <a:gd name="connsiteX2" fmla="*/ 3002186 w 3393902"/>
+              <a:gd name="connsiteY2" fmla="*/ 2622453 h 2622453"/>
+              <a:gd name="connsiteX3" fmla="*/ 0 w 3393902"/>
+              <a:gd name="connsiteY3" fmla="*/ 2622453 h 2622453"/>
+              <a:gd name="connsiteX4" fmla="*/ 0 w 3393902"/>
+              <a:gd name="connsiteY4" fmla="*/ 1430607 h 2622453"/>
+            </a:gdLst>
+            <a:ahLst/>
+            <a:cxnLst>
+              <a:cxn ang="0">
+                <a:pos x="connsiteX0" y="connsiteY0"/>
+              </a:cxn>
+              <a:cxn ang="0">
+                <a:pos x="connsiteX1" y="connsiteY1"/>
+              </a:cxn>
+              <a:cxn ang="0">
+                <a:pos x="connsiteX2" y="connsiteY2"/>
+              </a:cxn>
+              <a:cxn ang="0">
+                <a:pos x="connsiteX3" y="connsiteY3"/>
+              </a:cxn>
+              <a:cxn ang="0">
+                <a:pos x="connsiteX4" y="connsiteY4"/>
+              </a:cxn>
+            </a:cxnLst>
+            <a:rect l="l" t="t" r="r" b="b"/>
+            <a:pathLst>
+              <a:path w="3393902" h="2622453">
+                <a:moveTo>
+                  <a:pt x="212741" y="0"/>
+                </a:moveTo>
+                <a:lnTo>
+                  <a:pt x="3393902" y="0"/>
+                </a:lnTo>
+                <a:lnTo>
+                  <a:pt x="3002186" y="2622453"/>
+                </a:lnTo>
+                <a:lnTo>
+                  <a:pt x="0" y="2622453"/>
+                </a:lnTo>
+                <a:lnTo>
+                  <a:pt x="0" y="1430607"/>
+                </a:lnTo>
+                <a:close/>
+              </a:path>
+            </a:pathLst>
+          </a:custGeom>
+        </p:spPr>
+      </p:pic>
+      <p:pic>
+        <p:nvPicPr>
+          <p:cNvPr id="5" name="Picture 4" descr="A picture containing indoor, monitor, sitting, television&#10;&#10;Description generated with very high confidence">
+            <a:extLst>
+              <a:ext uri="{FF2B5EF4-FFF2-40B4-BE49-F238E27FC236}">
+                <a16:creationId xmlns:a16="http://schemas.microsoft.com/office/drawing/2014/main" id="{6A3DA9CB-9335-4A1B-A19D-8B030631D5A5}"/>
+              </a:ext>
+            </a:extLst>
+          </p:cNvPr>
+          <p:cNvPicPr>
+            <a:picLocks noChangeAspect="1"/>
+          </p:cNvPicPr>
+          <p:nvPr/>
+        </p:nvPicPr>
+        <p:blipFill rotWithShape="1">
+          <a:blip r:embed="rId3">
+            <a:extLst>
+              <a:ext uri="{28A0092B-C50C-407E-A947-70E740481C1C}">
+                <a14:useLocalDpi xmlns:a14="http://schemas.microsoft.com/office/drawing/2010/main" val="0"/>
+              </a:ext>
+            </a:extLst>
+          </a:blip>
+          <a:srcRect r="5452" b="-3"/>
+          <a:stretch/>
+        </p:blipFill>
+        <p:spPr>
+          <a:xfrm>
+            <a:off x="212548" y="-1"/>
+            <a:ext cx="4671437" cy="4236855"/>
+          </a:xfrm>
+          <a:custGeom>
+            <a:avLst/>
+            <a:gdLst>
+              <a:gd name="connsiteX0" fmla="*/ 630049 w 4671437"/>
+              <a:gd name="connsiteY0" fmla="*/ 0 h 4236855"/>
+              <a:gd name="connsiteX1" fmla="*/ 4671437 w 4671437"/>
+              <a:gd name="connsiteY1" fmla="*/ 0 h 4236855"/>
+              <a:gd name="connsiteX2" fmla="*/ 4671437 w 4671437"/>
+              <a:gd name="connsiteY2" fmla="*/ 1 h 4236855"/>
+              <a:gd name="connsiteX3" fmla="*/ 3814017 w 4671437"/>
+              <a:gd name="connsiteY3" fmla="*/ 1 h 4236855"/>
+              <a:gd name="connsiteX4" fmla="*/ 3181159 w 4671437"/>
+              <a:gd name="connsiteY4" fmla="*/ 4236855 h 4236855"/>
+              <a:gd name="connsiteX5" fmla="*/ 0 w 4671437"/>
+              <a:gd name="connsiteY5" fmla="*/ 4236855 h 4236855"/>
+            </a:gdLst>
+            <a:ahLst/>
+            <a:cxnLst>
+              <a:cxn ang="0">
+                <a:pos x="connsiteX0" y="connsiteY0"/>
+              </a:cxn>
+              <a:cxn ang="0">
+                <a:pos x="connsiteX1" y="connsiteY1"/>
+              </a:cxn>
+              <a:cxn ang="0">
+                <a:pos x="connsiteX2" y="connsiteY2"/>
+              </a:cxn>
+              <a:cxn ang="0">
+                <a:pos x="connsiteX3" y="connsiteY3"/>
+              </a:cxn>
+              <a:cxn ang="0">
+                <a:pos x="connsiteX4" y="connsiteY4"/>
+              </a:cxn>
+              <a:cxn ang="0">
+                <a:pos x="connsiteX5" y="connsiteY5"/>
+              </a:cxn>
+            </a:cxnLst>
+            <a:rect l="l" t="t" r="r" b="b"/>
+            <a:pathLst>
+              <a:path w="4671437" h="4236855">
+                <a:moveTo>
+                  <a:pt x="630049" y="0"/>
+                </a:moveTo>
+                <a:lnTo>
+                  <a:pt x="4671437" y="0"/>
+                </a:lnTo>
+                <a:lnTo>
+                  <a:pt x="4671437" y="1"/>
+                </a:lnTo>
+                <a:lnTo>
+                  <a:pt x="3814017" y="1"/>
+                </a:lnTo>
+                <a:lnTo>
+                  <a:pt x="3181159" y="4236855"/>
+                </a:lnTo>
+                <a:lnTo>
+                  <a:pt x="0" y="4236855"/>
+                </a:lnTo>
+                <a:close/>
+              </a:path>
+            </a:pathLst>
+          </a:custGeom>
+        </p:spPr>
+      </p:pic>
+      <p:sp>
+        <p:nvSpPr>
+          <p:cNvPr id="33" name="Isosceles Triangle 30">
+            <a:extLst>
+              <a:ext uri="{FF2B5EF4-FFF2-40B4-BE49-F238E27FC236}">
+                <a16:creationId xmlns:a16="http://schemas.microsoft.com/office/drawing/2014/main" id="{B09A8B04-373D-40BD-9442-2D3540D3CFF2}"/>
+              </a:ext>
+            </a:extLst>
+          </p:cNvPr>
+          <p:cNvSpPr>
+            <a:spLocks noGrp="1" noRot="1" noChangeAspect="1" noMove="1" noResize="1" noEditPoints="1" noAdjustHandles="1" noChangeArrowheads="1" noChangeShapeType="1" noTextEdit="1"/>
+          </p:cNvSpPr>
+          <p:nvPr>
+            <p:extLst>
+              <p:ext uri="{386F3935-93C4-4BCD-93E2-E3B085C9AB24}">
+                <p16:designElem xmlns:p16="http://schemas.microsoft.com/office/powerpoint/2015/main" val="1"/>
+              </p:ext>
+            </p:extLst>
+          </p:nvPr>
+        </p:nvSpPr>
+        <p:spPr>
+          <a:xfrm rot="10800000">
+            <a:off x="0" y="0"/>
+            <a:ext cx="842596" cy="5666154"/>
+          </a:xfrm>
+          <a:prstGeom prst="triangle">
+            <a:avLst>
+              <a:gd name="adj" fmla="val 100000"/>
+            </a:avLst>
+          </a:prstGeom>
+          <a:solidFill>
+            <a:schemeClr val="accent1">
+              <a:alpha val="85000"/>
+            </a:schemeClr>
+          </a:solidFill>
+          <a:ln>
+            <a:noFill/>
+          </a:ln>
+          <a:effectLst/>
+        </p:spPr>
+        <p:style>
+          <a:lnRef idx="1">
+            <a:schemeClr val="accent1"/>
+          </a:lnRef>
+          <a:fillRef idx="3">
+            <a:schemeClr val="accent1"/>
+          </a:fillRef>
+          <a:effectRef idx="2">
+            <a:schemeClr val="accent1"/>
+          </a:effectRef>
+          <a:fontRef idx="minor">
+            <a:schemeClr val="lt1"/>
+          </a:fontRef>
+        </p:style>
+      </p:sp>
+      <p:cxnSp>
+        <p:nvCxnSpPr>
+          <p:cNvPr id="35" name="Straight Connector 34">
+            <a:extLst>
+              <a:ext uri="{FF2B5EF4-FFF2-40B4-BE49-F238E27FC236}">
+                <a16:creationId xmlns:a16="http://schemas.microsoft.com/office/drawing/2014/main" id="{B5028193-7250-4674-AA37-E9040429AE0B}"/>
+              </a:ext>
+            </a:extLst>
+          </p:cNvPr>
+          <p:cNvCxnSpPr>
+            <a:cxnSpLocks noGrp="1" noRot="1" noChangeAspect="1" noMove="1" noResize="1" noEditPoints="1" noAdjustHandles="1" noChangeArrowheads="1" noChangeShapeType="1"/>
+          </p:cNvCxnSpPr>
+          <p:nvPr>
+            <p:extLst>
+              <p:ext uri="{386F3935-93C4-4BCD-93E2-E3B085C9AB24}">
+                <p16:designElem xmlns:p16="http://schemas.microsoft.com/office/powerpoint/2015/main" val="1"/>
+              </p:ext>
+            </p:extLst>
+          </p:nvPr>
+        </p:nvCxnSpPr>
+        <p:spPr>
+          <a:xfrm>
+            <a:off x="212887" y="4236854"/>
+            <a:ext cx="3263960" cy="0"/>
+          </a:xfrm>
+          <a:prstGeom prst="line">
+            <a:avLst/>
+          </a:prstGeom>
+          <a:ln>
+            <a:solidFill>
+              <a:schemeClr val="bg1"/>
+            </a:solidFill>
+          </a:ln>
+        </p:spPr>
+        <p:style>
+          <a:lnRef idx="1">
+            <a:schemeClr val="accent1"/>
+          </a:lnRef>
+          <a:fillRef idx="0">
+            <a:schemeClr val="accent1"/>
+          </a:fillRef>
+          <a:effectRef idx="0">
+            <a:schemeClr val="accent1"/>
+          </a:effectRef>
+          <a:fontRef idx="minor">
+            <a:schemeClr val="tx1"/>
+          </a:fontRef>
+        </p:style>
+      </p:cxnSp>
       <p:sp>
         <p:nvSpPr>
           <p:cNvPr id="2" name="Title 1">
@@ -34811,13 +36107,20 @@
             <p:ph type="title"/>
           </p:nvPr>
         </p:nvSpPr>
-        <p:spPr/>
+        <p:spPr>
+          <a:xfrm>
+            <a:off x="4159225" y="609600"/>
+            <a:ext cx="5114776" cy="1320800"/>
+          </a:xfrm>
+        </p:spPr>
         <p:txBody>
-          <a:bodyPr/>
+          <a:bodyPr>
+            <a:normAutofit/>
+          </a:bodyPr>
           <a:lstStyle/>
           <a:p>
             <a:r>
-              <a:rPr lang="en-US" dirty="0"/>
+              <a:rPr lang="en-US"/>
               <a:t>Graphics Processing Unit (GPU)</a:t>
             </a:r>
           </a:p>
@@ -34839,54 +36142,61 @@
             <p:ph idx="1"/>
           </p:nvPr>
         </p:nvSpPr>
-        <p:spPr/>
+        <p:spPr>
+          <a:xfrm>
+            <a:off x="4159225" y="2160589"/>
+            <a:ext cx="5114776" cy="3880773"/>
+          </a:xfrm>
+        </p:spPr>
         <p:txBody>
-          <a:bodyPr/>
+          <a:bodyPr>
+            <a:normAutofit/>
+          </a:bodyPr>
           <a:lstStyle/>
           <a:p>
             <a:r>
-              <a:rPr lang="en-US" dirty="0"/>
+              <a:rPr lang="en-US"/>
               <a:t>Lead the floating point race since 2003</a:t>
             </a:r>
           </a:p>
           <a:p>
             <a:r>
-              <a:rPr lang="en-US" dirty="0"/>
+              <a:rPr lang="en-US"/>
               <a:t>Can contain thousands of CUDA cores </a:t>
             </a:r>
           </a:p>
           <a:p>
             <a:r>
-              <a:rPr lang="en-US" dirty="0"/>
+              <a:rPr lang="en-US"/>
               <a:t>Cores clocked lower than CPU cores</a:t>
             </a:r>
           </a:p>
           <a:p>
             <a:r>
-              <a:rPr lang="en-US" dirty="0"/>
+              <a:rPr lang="en-US"/>
               <a:t>“Many-core” architecture</a:t>
             </a:r>
           </a:p>
           <a:p>
             <a:r>
-              <a:rPr lang="en-US" dirty="0"/>
+              <a:rPr lang="en-US"/>
               <a:t>Great at parallel tasks (multi-media, games, parallel programs)</a:t>
             </a:r>
           </a:p>
           <a:p>
             <a:r>
-              <a:rPr lang="en-US" dirty="0"/>
+              <a:rPr lang="en-US"/>
               <a:t>Provides a very significant performance boost in parallel tasks</a:t>
             </a:r>
           </a:p>
           <a:p>
             <a:r>
-              <a:rPr lang="en-US" dirty="0"/>
+              <a:rPr lang="en-US"/>
               <a:t>At the core of Machine Learning and Artificial Intelligence</a:t>
             </a:r>
           </a:p>
           <a:p>
-            <a:endParaRPr lang="en-US" dirty="0"/>
+            <a:endParaRPr lang="en-US"/>
           </a:p>
         </p:txBody>
       </p:sp>
@@ -34956,8 +36266,8 @@
         </p:blipFill>
         <p:spPr>
           <a:xfrm>
-            <a:off x="677334" y="4234124"/>
-            <a:ext cx="3150527" cy="1787924"/>
+            <a:off x="4272108" y="3439020"/>
+            <a:ext cx="4585622" cy="2602341"/>
           </a:xfrm>
           <a:prstGeom prst="rect">
             <a:avLst/>
@@ -34992,8 +36302,8 @@
         </p:blipFill>
         <p:spPr>
           <a:xfrm>
-            <a:off x="677333" y="2186852"/>
-            <a:ext cx="3150527" cy="1772171"/>
+            <a:off x="4252254" y="609600"/>
+            <a:ext cx="4625328" cy="2601747"/>
           </a:xfrm>
           <a:prstGeom prst="rect">
             <a:avLst/>
@@ -35018,12 +36328,12 @@
         </p:nvSpPr>
         <p:spPr>
           <a:xfrm>
-            <a:off x="677334" y="609600"/>
-            <a:ext cx="8596668" cy="1320800"/>
+            <a:off x="675065" y="609600"/>
+            <a:ext cx="2930518" cy="1320800"/>
           </a:xfrm>
         </p:spPr>
         <p:txBody>
-          <a:bodyPr vert="horz" lIns="91440" tIns="45720" rIns="91440" bIns="45720" rtlCol="0">
+          <a:bodyPr vert="horz" lIns="91440" tIns="45720" rIns="91440" bIns="45720" rtlCol="0" anchor="ctr">
             <a:normAutofit/>
           </a:bodyPr>
           <a:lstStyle/>
@@ -35053,8 +36363,8 @@
         </p:nvSpPr>
         <p:spPr>
           <a:xfrm>
-            <a:off x="4056462" y="2160589"/>
-            <a:ext cx="5217539" cy="3880773"/>
+            <a:off x="671361" y="2160589"/>
+            <a:ext cx="2930517" cy="3880773"/>
           </a:xfrm>
         </p:spPr>
         <p:txBody>
@@ -35092,6 +36402,14 @@
 <file path=ppt/slides/slide6.xml><?xml version="1.0" encoding="utf-8"?>
 <p:sld xmlns:a="http://schemas.openxmlformats.org/drawingml/2006/main" xmlns:r="http://schemas.openxmlformats.org/officeDocument/2006/relationships" xmlns:p="http://schemas.openxmlformats.org/presentationml/2006/main">
   <p:cSld>
+    <p:bg>
+      <p:bgPr>
+        <a:solidFill>
+          <a:schemeClr val="bg1"/>
+        </a:solidFill>
+        <a:effectLst/>
+      </p:bgPr>
+    </p:bg>
     <p:spTree>
       <p:nvGrpSpPr>
         <p:cNvPr id="1" name=""/>
@@ -35106,6 +36424,42 @@
           <a:chExt cx="0" cy="0"/>
         </a:xfrm>
       </p:grpSpPr>
+      <p:pic>
+        <p:nvPicPr>
+          <p:cNvPr id="5" name="Picture 4" descr="A close up of a sign&#10;&#10;Description generated with very high confidence">
+            <a:extLst>
+              <a:ext uri="{FF2B5EF4-FFF2-40B4-BE49-F238E27FC236}">
+                <a16:creationId xmlns:a16="http://schemas.microsoft.com/office/drawing/2014/main" id="{25BB1320-A29A-4657-B45D-0DF6BF81D13B}"/>
+              </a:ext>
+            </a:extLst>
+          </p:cNvPr>
+          <p:cNvPicPr>
+            <a:picLocks noChangeAspect="1"/>
+          </p:cNvPicPr>
+          <p:nvPr/>
+        </p:nvPicPr>
+        <p:blipFill>
+          <a:blip r:embed="rId2">
+            <a:extLst>
+              <a:ext uri="{28A0092B-C50C-407E-A947-70E740481C1C}">
+                <a14:useLocalDpi xmlns:a14="http://schemas.microsoft.com/office/drawing/2010/main" val="0"/>
+              </a:ext>
+            </a:extLst>
+          </a:blip>
+          <a:stretch>
+            <a:fillRect/>
+          </a:stretch>
+        </p:blipFill>
+        <p:spPr>
+          <a:xfrm>
+            <a:off x="4987137" y="2159331"/>
+            <a:ext cx="4204989" cy="2386331"/>
+          </a:xfrm>
+          <a:prstGeom prst="rect">
+            <a:avLst/>
+          </a:prstGeom>
+        </p:spPr>
+      </p:pic>
       <p:sp>
         <p:nvSpPr>
           <p:cNvPr id="2" name="Title 1">
@@ -35122,15 +36476,23 @@
             <p:ph type="title"/>
           </p:nvPr>
         </p:nvSpPr>
-        <p:spPr/>
+        <p:spPr>
+          <a:xfrm>
+            <a:off x="677334" y="609600"/>
+            <a:ext cx="8596668" cy="1320800"/>
+          </a:xfrm>
+        </p:spPr>
         <p:txBody>
-          <a:bodyPr/>
+          <a:bodyPr anchor="t">
+            <a:normAutofit/>
+          </a:bodyPr>
           <a:lstStyle/>
           <a:p>
             <a:r>
-              <a:rPr lang="en-US" dirty="0"/>
+              <a:rPr lang="en-US"/>
               <a:t>What is a Fast Fourier Transform?</a:t>
             </a:r>
+            <a:endParaRPr lang="en-US" dirty="0"/>
           </a:p>
         </p:txBody>
       </p:sp>
@@ -35150,15 +36512,45 @@
             <p:ph idx="1"/>
           </p:nvPr>
         </p:nvSpPr>
-        <p:spPr/>
+        <p:spPr>
+          <a:xfrm>
+            <a:off x="677334" y="2160589"/>
+            <a:ext cx="3957349" cy="3749323"/>
+          </a:xfrm>
+        </p:spPr>
         <p:txBody>
-          <a:bodyPr/>
+          <a:bodyPr>
+            <a:normAutofit/>
+          </a:bodyPr>
           <a:lstStyle/>
           <a:p>
             <a:r>
               <a:rPr lang="en-US" dirty="0"/>
-              <a:t>Time-based pattern =&gt; a bunch of circular pathways </a:t>
+              <a:t>Time-based pattern </a:t>
             </a:r>
+            <a:r>
+              <a:rPr lang="en-US" dirty="0">
+                <a:sym typeface="Wingdings" panose="05000000000000000000" pitchFamily="2" charset="2"/>
+              </a:rPr>
+              <a:t></a:t>
+            </a:r>
+            <a:r>
+              <a:rPr lang="en-US" dirty="0"/>
+              <a:t> a bunch of circular pathways </a:t>
+            </a:r>
+          </a:p>
+          <a:p>
+            <a:r>
+              <a:rPr lang="en-US" dirty="0"/>
+              <a:t>Time domain </a:t>
+            </a:r>
+            <a:r>
+              <a:rPr lang="en-US" dirty="0">
+                <a:sym typeface="Wingdings" panose="05000000000000000000" pitchFamily="2" charset="2"/>
+              </a:rPr>
+              <a:t> frequency domain</a:t>
+            </a:r>
+            <a:endParaRPr lang="en-US" dirty="0"/>
           </a:p>
           <a:p>
             <a:endParaRPr lang="en-US" dirty="0"/>
